--- a/PPT/PID_0000_TG8_PresentationRound.pptx
+++ b/PPT/PID_0000_TG8_PresentationRound.pptx
@@ -190,6 +190,344 @@
 </pc:chgInfo>
 </file>
 
+<file path=ppt/ink/ink1.xml><?xml version="1.0" encoding="utf-8"?>
+<inkml:ink xmlns:inkml="http://www.w3.org/2003/InkML">
+  <inkml:definitions>
+    <inkml:context xml:id="ctx0">
+      <inkml:inkSource xml:id="inkSrc0">
+        <inkml:traceFormat>
+          <inkml:channel name="X" type="integer" min="-2.14748E9" max="2.14748E9" units="cm"/>
+          <inkml:channel name="Y" type="integer" min="-2.14748E9" max="2.14748E9" units="cm"/>
+        </inkml:traceFormat>
+        <inkml:channelProperties>
+          <inkml:channelProperty channel="X" name="resolution" value="1000" units="1/cm"/>
+          <inkml:channelProperty channel="Y" name="resolution" value="1000" units="1/cm"/>
+        </inkml:channelProperties>
+      </inkml:inkSource>
+      <inkml:timestamp xml:id="ts0" timeString="2024-12-14T13:51:13.213"/>
+    </inkml:context>
+    <inkml:brush xml:id="br0">
+      <inkml:brushProperty name="width" value="0.035" units="cm"/>
+      <inkml:brushProperty name="height" value="0.035" units="cm"/>
+      <inkml:brushProperty name="ignorePressure" value="1"/>
+    </inkml:brush>
+  </inkml:definitions>
+  <inkml:trace contextRef="#ctx0" brushRef="#br0">1 1,'3092'0,"-3072"0</inkml:trace>
+</inkml:ink>
+</file>
+
+<file path=ppt/ink/ink10.xml><?xml version="1.0" encoding="utf-8"?>
+<inkml:ink xmlns:inkml="http://www.w3.org/2003/InkML">
+  <inkml:definitions>
+    <inkml:context xml:id="ctx0">
+      <inkml:inkSource xml:id="inkSrc0">
+        <inkml:traceFormat>
+          <inkml:channel name="X" type="integer" min="-2.14748E9" max="2.14748E9" units="cm"/>
+          <inkml:channel name="Y" type="integer" min="-2.14748E9" max="2.14748E9" units="cm"/>
+        </inkml:traceFormat>
+        <inkml:channelProperties>
+          <inkml:channelProperty channel="X" name="resolution" value="1000" units="1/cm"/>
+          <inkml:channelProperty channel="Y" name="resolution" value="1000" units="1/cm"/>
+        </inkml:channelProperties>
+      </inkml:inkSource>
+      <inkml:timestamp xml:id="ts0" timeString="2024-12-14T13:54:07.405"/>
+    </inkml:context>
+    <inkml:brush xml:id="br0">
+      <inkml:brushProperty name="width" value="0.035" units="cm"/>
+      <inkml:brushProperty name="height" value="0.035" units="cm"/>
+      <inkml:brushProperty name="ignorePressure" value="1"/>
+    </inkml:brush>
+  </inkml:definitions>
+  <inkml:trace contextRef="#ctx0" brushRef="#br0">326 0,'-314'228,"302"-219</inkml:trace>
+</inkml:ink>
+</file>
+
+<file path=ppt/ink/ink11.xml><?xml version="1.0" encoding="utf-8"?>
+<inkml:ink xmlns:inkml="http://www.w3.org/2003/InkML">
+  <inkml:definitions>
+    <inkml:context xml:id="ctx0">
+      <inkml:inkSource xml:id="inkSrc0">
+        <inkml:traceFormat>
+          <inkml:channel name="X" type="integer" min="-2.14748E9" max="2.14748E9" units="cm"/>
+          <inkml:channel name="Y" type="integer" min="-2.14748E9" max="2.14748E9" units="cm"/>
+        </inkml:traceFormat>
+        <inkml:channelProperties>
+          <inkml:channelProperty channel="X" name="resolution" value="1000" units="1/cm"/>
+          <inkml:channelProperty channel="Y" name="resolution" value="1000" units="1/cm"/>
+        </inkml:channelProperties>
+      </inkml:inkSource>
+      <inkml:timestamp xml:id="ts0" timeString="2024-12-14T13:54:15.058"/>
+    </inkml:context>
+    <inkml:brush xml:id="br0">
+      <inkml:brushProperty name="width" value="0.035" units="cm"/>
+      <inkml:brushProperty name="height" value="0.035" units="cm"/>
+      <inkml:brushProperty name="ignorePressure" value="1"/>
+    </inkml:brush>
+  </inkml:definitions>
+  <inkml:trace contextRef="#ctx0" brushRef="#br0">303 0,'-290'210,"278"-200</inkml:trace>
+</inkml:ink>
+</file>
+
+<file path=ppt/ink/ink12.xml><?xml version="1.0" encoding="utf-8"?>
+<inkml:ink xmlns:inkml="http://www.w3.org/2003/InkML">
+  <inkml:definitions>
+    <inkml:context xml:id="ctx0">
+      <inkml:inkSource xml:id="inkSrc0">
+        <inkml:traceFormat>
+          <inkml:channel name="X" type="integer" min="-2.14748E9" max="2.14748E9" units="cm"/>
+          <inkml:channel name="Y" type="integer" min="-2.14748E9" max="2.14748E9" units="cm"/>
+        </inkml:traceFormat>
+        <inkml:channelProperties>
+          <inkml:channelProperty channel="X" name="resolution" value="1000" units="1/cm"/>
+          <inkml:channelProperty channel="Y" name="resolution" value="1000" units="1/cm"/>
+        </inkml:channelProperties>
+      </inkml:inkSource>
+      <inkml:timestamp xml:id="ts0" timeString="2024-12-14T13:54:21.873"/>
+    </inkml:context>
+    <inkml:brush xml:id="br0">
+      <inkml:brushProperty name="width" value="0.035" units="cm"/>
+      <inkml:brushProperty name="height" value="0.035" units="cm"/>
+      <inkml:brushProperty name="ignorePressure" value="1"/>
+    </inkml:brush>
+  </inkml:definitions>
+  <inkml:trace contextRef="#ctx0" brushRef="#br0">246 0,'-235'172,"224"-165</inkml:trace>
+</inkml:ink>
+</file>
+
+<file path=ppt/ink/ink13.xml><?xml version="1.0" encoding="utf-8"?>
+<inkml:ink xmlns:inkml="http://www.w3.org/2003/InkML">
+  <inkml:definitions>
+    <inkml:context xml:id="ctx0">
+      <inkml:inkSource xml:id="inkSrc0">
+        <inkml:traceFormat>
+          <inkml:channel name="X" type="integer" min="-2.14748E9" max="2.14748E9" units="cm"/>
+          <inkml:channel name="Y" type="integer" min="-2.14748E9" max="2.14748E9" units="cm"/>
+        </inkml:traceFormat>
+        <inkml:channelProperties>
+          <inkml:channelProperty channel="X" name="resolution" value="1000" units="1/cm"/>
+          <inkml:channelProperty channel="Y" name="resolution" value="1000" units="1/cm"/>
+        </inkml:channelProperties>
+      </inkml:inkSource>
+      <inkml:timestamp xml:id="ts0" timeString="2024-12-14T13:54:23.723"/>
+    </inkml:context>
+    <inkml:brush xml:id="br0">
+      <inkml:brushProperty name="width" value="0.035" units="cm"/>
+      <inkml:brushProperty name="height" value="0.035" units="cm"/>
+      <inkml:brushProperty name="ignorePressure" value="1"/>
+    </inkml:brush>
+  </inkml:definitions>
+  <inkml:trace contextRef="#ctx0" brushRef="#br0">67 0,'-4'3,"-4"3,-2 1,-1 1,-1 1,1 0,0-2</inkml:trace>
+</inkml:ink>
+</file>
+
+<file path=ppt/ink/ink2.xml><?xml version="1.0" encoding="utf-8"?>
+<inkml:ink xmlns:inkml="http://www.w3.org/2003/InkML">
+  <inkml:definitions>
+    <inkml:context xml:id="ctx0">
+      <inkml:inkSource xml:id="inkSrc0">
+        <inkml:traceFormat>
+          <inkml:channel name="X" type="integer" min="-2.14748E9" max="2.14748E9" units="cm"/>
+          <inkml:channel name="Y" type="integer" min="-2.14748E9" max="2.14748E9" units="cm"/>
+        </inkml:traceFormat>
+        <inkml:channelProperties>
+          <inkml:channelProperty channel="X" name="resolution" value="1000" units="1/cm"/>
+          <inkml:channelProperty channel="Y" name="resolution" value="1000" units="1/cm"/>
+        </inkml:channelProperties>
+      </inkml:inkSource>
+      <inkml:timestamp xml:id="ts0" timeString="2024-12-14T13:51:34.059"/>
+    </inkml:context>
+    <inkml:brush xml:id="br0">
+      <inkml:brushProperty name="width" value="0.035" units="cm"/>
+      <inkml:brushProperty name="height" value="0.035" units="cm"/>
+      <inkml:brushProperty name="ignorePressure" value="1"/>
+    </inkml:brush>
+  </inkml:definitions>
+  <inkml:trace contextRef="#ctx0" brushRef="#br0">1 0,'2283'0,"-2262"0</inkml:trace>
+</inkml:ink>
+</file>
+
+<file path=ppt/ink/ink3.xml><?xml version="1.0" encoding="utf-8"?>
+<inkml:ink xmlns:inkml="http://www.w3.org/2003/InkML">
+  <inkml:definitions>
+    <inkml:context xml:id="ctx0">
+      <inkml:inkSource xml:id="inkSrc0">
+        <inkml:traceFormat>
+          <inkml:channel name="X" type="integer" min="-2.14748E9" max="2.14748E9" units="cm"/>
+          <inkml:channel name="Y" type="integer" min="-2.14748E9" max="2.14748E9" units="cm"/>
+        </inkml:traceFormat>
+        <inkml:channelProperties>
+          <inkml:channelProperty channel="X" name="resolution" value="1000" units="1/cm"/>
+          <inkml:channelProperty channel="Y" name="resolution" value="1000" units="1/cm"/>
+        </inkml:channelProperties>
+      </inkml:inkSource>
+      <inkml:timestamp xml:id="ts0" timeString="2024-12-14T13:51:48.369"/>
+    </inkml:context>
+    <inkml:brush xml:id="br0">
+      <inkml:brushProperty name="width" value="0.035" units="cm"/>
+      <inkml:brushProperty name="height" value="0.035" units="cm"/>
+      <inkml:brushProperty name="ignorePressure" value="1"/>
+    </inkml:brush>
+  </inkml:definitions>
+  <inkml:trace contextRef="#ctx0" brushRef="#br0">1 1,'2086'0,"-2064"0</inkml:trace>
+</inkml:ink>
+</file>
+
+<file path=ppt/ink/ink4.xml><?xml version="1.0" encoding="utf-8"?>
+<inkml:ink xmlns:inkml="http://www.w3.org/2003/InkML">
+  <inkml:definitions>
+    <inkml:context xml:id="ctx0">
+      <inkml:inkSource xml:id="inkSrc0">
+        <inkml:traceFormat>
+          <inkml:channel name="X" type="integer" min="-2.14748E9" max="2.14748E9" units="cm"/>
+          <inkml:channel name="Y" type="integer" min="-2.14748E9" max="2.14748E9" units="cm"/>
+        </inkml:traceFormat>
+        <inkml:channelProperties>
+          <inkml:channelProperty channel="X" name="resolution" value="1000" units="1/cm"/>
+          <inkml:channelProperty channel="Y" name="resolution" value="1000" units="1/cm"/>
+        </inkml:channelProperties>
+      </inkml:inkSource>
+      <inkml:timestamp xml:id="ts0" timeString="2024-12-14T13:52:12.493"/>
+    </inkml:context>
+    <inkml:brush xml:id="br0">
+      <inkml:brushProperty name="width" value="0.035" units="cm"/>
+      <inkml:brushProperty name="height" value="0.035" units="cm"/>
+      <inkml:brushProperty name="ignorePressure" value="1"/>
+    </inkml:brush>
+  </inkml:definitions>
+  <inkml:trace contextRef="#ctx0" brushRef="#br0">1 0,'0'3467,"0"-3445</inkml:trace>
+</inkml:ink>
+</file>
+
+<file path=ppt/ink/ink5.xml><?xml version="1.0" encoding="utf-8"?>
+<inkml:ink xmlns:inkml="http://www.w3.org/2003/InkML">
+  <inkml:definitions>
+    <inkml:context xml:id="ctx0">
+      <inkml:inkSource xml:id="inkSrc0">
+        <inkml:traceFormat>
+          <inkml:channel name="X" type="integer" min="-2.14748E9" max="2.14748E9" units="cm"/>
+          <inkml:channel name="Y" type="integer" min="-2.14748E9" max="2.14748E9" units="cm"/>
+        </inkml:traceFormat>
+        <inkml:channelProperties>
+          <inkml:channelProperty channel="X" name="resolution" value="1000" units="1/cm"/>
+          <inkml:channelProperty channel="Y" name="resolution" value="1000" units="1/cm"/>
+        </inkml:channelProperties>
+      </inkml:inkSource>
+      <inkml:timestamp xml:id="ts0" timeString="2024-12-14T13:52:35.390"/>
+    </inkml:context>
+    <inkml:brush xml:id="br0">
+      <inkml:brushProperty name="width" value="0.035" units="cm"/>
+      <inkml:brushProperty name="height" value="0.035" units="cm"/>
+      <inkml:brushProperty name="ignorePressure" value="1"/>
+    </inkml:brush>
+  </inkml:definitions>
+  <inkml:trace contextRef="#ctx0" brushRef="#br0">1647 0,'-1629'0,"1611"0</inkml:trace>
+</inkml:ink>
+</file>
+
+<file path=ppt/ink/ink6.xml><?xml version="1.0" encoding="utf-8"?>
+<inkml:ink xmlns:inkml="http://www.w3.org/2003/InkML">
+  <inkml:definitions>
+    <inkml:context xml:id="ctx0">
+      <inkml:inkSource xml:id="inkSrc0">
+        <inkml:traceFormat>
+          <inkml:channel name="X" type="integer" min="-2.14748E9" max="2.14748E9" units="cm"/>
+          <inkml:channel name="Y" type="integer" min="-2.14748E9" max="2.14748E9" units="cm"/>
+        </inkml:traceFormat>
+        <inkml:channelProperties>
+          <inkml:channelProperty channel="X" name="resolution" value="1000" units="1/cm"/>
+          <inkml:channelProperty channel="Y" name="resolution" value="1000" units="1/cm"/>
+        </inkml:channelProperties>
+      </inkml:inkSource>
+      <inkml:timestamp xml:id="ts0" timeString="2024-12-14T13:52:44.472"/>
+    </inkml:context>
+    <inkml:brush xml:id="br0">
+      <inkml:brushProperty name="width" value="0.035" units="cm"/>
+      <inkml:brushProperty name="height" value="0.035" units="cm"/>
+      <inkml:brushProperty name="ignorePressure" value="1"/>
+    </inkml:brush>
+  </inkml:definitions>
+  <inkml:trace contextRef="#ctx0" brushRef="#br0">0 1,'2081'0,"-2059"0</inkml:trace>
+</inkml:ink>
+</file>
+
+<file path=ppt/ink/ink7.xml><?xml version="1.0" encoding="utf-8"?>
+<inkml:ink xmlns:inkml="http://www.w3.org/2003/InkML">
+  <inkml:definitions>
+    <inkml:context xml:id="ctx0">
+      <inkml:inkSource xml:id="inkSrc0">
+        <inkml:traceFormat>
+          <inkml:channel name="X" type="integer" min="-2.14748E9" max="2.14748E9" units="cm"/>
+          <inkml:channel name="Y" type="integer" min="-2.14748E9" max="2.14748E9" units="cm"/>
+        </inkml:traceFormat>
+        <inkml:channelProperties>
+          <inkml:channelProperty channel="X" name="resolution" value="1000" units="1/cm"/>
+          <inkml:channelProperty channel="Y" name="resolution" value="1000" units="1/cm"/>
+        </inkml:channelProperties>
+      </inkml:inkSource>
+      <inkml:timestamp xml:id="ts0" timeString="2024-12-14T13:53:09.453"/>
+    </inkml:context>
+    <inkml:brush xml:id="br0">
+      <inkml:brushProperty name="width" value="0.035" units="cm"/>
+      <inkml:brushProperty name="height" value="0.035" units="cm"/>
+      <inkml:brushProperty name="ignorePressure" value="1"/>
+    </inkml:brush>
+  </inkml:definitions>
+  <inkml:trace contextRef="#ctx0" brushRef="#br0">326 255,'-315'-246,"305"237</inkml:trace>
+</inkml:ink>
+</file>
+
+<file path=ppt/ink/ink8.xml><?xml version="1.0" encoding="utf-8"?>
+<inkml:ink xmlns:inkml="http://www.w3.org/2003/InkML">
+  <inkml:definitions>
+    <inkml:context xml:id="ctx0">
+      <inkml:inkSource xml:id="inkSrc0">
+        <inkml:traceFormat>
+          <inkml:channel name="X" type="integer" min="-2.14748E9" max="2.14748E9" units="cm"/>
+          <inkml:channel name="Y" type="integer" min="-2.14748E9" max="2.14748E9" units="cm"/>
+        </inkml:traceFormat>
+        <inkml:channelProperties>
+          <inkml:channelProperty channel="X" name="resolution" value="1000" units="1/cm"/>
+          <inkml:channelProperty channel="Y" name="resolution" value="1000" units="1/cm"/>
+        </inkml:channelProperties>
+      </inkml:inkSource>
+      <inkml:timestamp xml:id="ts0" timeString="2024-12-14T13:53:17.624"/>
+    </inkml:context>
+    <inkml:brush xml:id="br0">
+      <inkml:brushProperty name="width" value="0.035" units="cm"/>
+      <inkml:brushProperty name="height" value="0.035" units="cm"/>
+      <inkml:brushProperty name="ignorePressure" value="1"/>
+    </inkml:brush>
+  </inkml:definitions>
+  <inkml:trace contextRef="#ctx0" brushRef="#br0">297 231,'-286'-223,"276"215</inkml:trace>
+</inkml:ink>
+</file>
+
+<file path=ppt/ink/ink9.xml><?xml version="1.0" encoding="utf-8"?>
+<inkml:ink xmlns:inkml="http://www.w3.org/2003/InkML">
+  <inkml:definitions>
+    <inkml:context xml:id="ctx0">
+      <inkml:inkSource xml:id="inkSrc0">
+        <inkml:traceFormat>
+          <inkml:channel name="X" type="integer" min="-2.14748E9" max="2.14748E9" units="cm"/>
+          <inkml:channel name="Y" type="integer" min="-2.14748E9" max="2.14748E9" units="cm"/>
+        </inkml:traceFormat>
+        <inkml:channelProperties>
+          <inkml:channelProperty channel="X" name="resolution" value="1000" units="1/cm"/>
+          <inkml:channelProperty channel="Y" name="resolution" value="1000" units="1/cm"/>
+        </inkml:channelProperties>
+      </inkml:inkSource>
+      <inkml:timestamp xml:id="ts0" timeString="2024-12-14T13:53:30.693"/>
+    </inkml:context>
+    <inkml:brush xml:id="br0">
+      <inkml:brushProperty name="width" value="0.035" units="cm"/>
+      <inkml:brushProperty name="height" value="0.035" units="cm"/>
+      <inkml:brushProperty name="ignorePressure" value="1"/>
+    </inkml:brush>
+  </inkml:definitions>
+  <inkml:trace contextRef="#ctx0" brushRef="#br0">345 270,'-332'-260,"319"251</inkml:trace>
+</inkml:ink>
+</file>
+
 <file path=ppt/notesMasters/notesMaster1.xml><?xml version="1.0" encoding="utf-8"?>
 <p:notesMaster xmlns:a="http://schemas.openxmlformats.org/drawingml/2006/main" xmlns:r="http://schemas.openxmlformats.org/officeDocument/2006/relationships" xmlns:p="http://schemas.openxmlformats.org/presentationml/2006/main">
   <p:cSld>
@@ -272,7 +610,7 @@
           <a:p>
             <a:fld id="{D9EDC9C4-A5A9-47A1-92BC-326DCF573043}" type="datetimeFigureOut">
               <a:rPr lang="en-US" smtClean="0"/>
-              <a:t>11/26/2024</a:t>
+              <a:t>12/14/2024</a:t>
             </a:fld>
             <a:endParaRPr lang="en-US"/>
           </a:p>
@@ -28153,40 +28491,54 @@
             <p:ph type="title"/>
           </p:nvPr>
         </p:nvSpPr>
-        <p:spPr/>
+        <p:spPr>
+          <a:xfrm>
+            <a:off x="957501" y="792949"/>
+            <a:ext cx="4052554" cy="851040"/>
+          </a:xfrm>
+        </p:spPr>
         <p:txBody>
           <a:bodyPr/>
           <a:lstStyle/>
           <a:p>
-            <a:endParaRPr lang="en-IN" dirty="0"/>
+            <a:r>
+              <a:rPr lang="en-IN" dirty="0"/>
+              <a:t>Wind Regenerative System for EV Charging Using Air Pressure</a:t>
+            </a:r>
           </a:p>
         </p:txBody>
       </p:sp>
-      <p:sp>
-        <p:nvSpPr>
-          <p:cNvPr id="3" name="Picture Placeholder 2">
+      <p:pic>
+        <p:nvPicPr>
+          <p:cNvPr id="16" name="Picture Placeholder 15" descr="A motorcycle on a road&#10;&#10;Description automatically generated">
             <a:extLst>
               <a:ext uri="{FF2B5EF4-FFF2-40B4-BE49-F238E27FC236}">
-                <a16:creationId xmlns:a16="http://schemas.microsoft.com/office/drawing/2014/main" id="{29CE0630-4F2D-49C6-E827-7273DF20573B}"/>
+                <a16:creationId xmlns:a16="http://schemas.microsoft.com/office/drawing/2014/main" id="{7C5EBA0B-F47D-2832-D700-170AB9E3B0F6}"/>
               </a:ext>
             </a:extLst>
           </p:cNvPr>
-          <p:cNvSpPr>
-            <a:spLocks noGrp="1"/>
-          </p:cNvSpPr>
+          <p:cNvPicPr>
+            <a:picLocks noGrp="1" noChangeAspect="1"/>
+          </p:cNvPicPr>
           <p:nvPr>
             <p:ph type="pic" sz="quarter" idx="14"/>
           </p:nvPr>
-        </p:nvSpPr>
+        </p:nvPicPr>
+        <p:blipFill>
+          <a:blip r:embed="rId2">
+            <a:extLst>
+              <a:ext uri="{28A0092B-C50C-407E-A947-70E740481C1C}">
+                <a14:useLocalDpi xmlns:a14="http://schemas.microsoft.com/office/drawing/2010/main" val="0"/>
+              </a:ext>
+            </a:extLst>
+          </a:blip>
+          <a:srcRect l="22510" r="22510"/>
+          <a:stretch>
+            <a:fillRect/>
+          </a:stretch>
+        </p:blipFill>
         <p:spPr/>
-        <p:txBody>
-          <a:bodyPr/>
-          <a:lstStyle/>
-          <a:p>
-            <a:endParaRPr lang="en-IN" dirty="0"/>
-          </a:p>
-        </p:txBody>
-      </p:sp>
+      </p:pic>
       <p:sp>
         <p:nvSpPr>
           <p:cNvPr id="4" name="Text Placeholder 3">
@@ -28208,7 +28560,11 @@
           <a:bodyPr/>
           <a:lstStyle/>
           <a:p>
-            <a:endParaRPr lang="en-IN"/>
+            <a:r>
+              <a:rPr lang="en-IN" dirty="0" err="1"/>
+              <a:t>Vasanthan</a:t>
+            </a:r>
+            <a:endParaRPr lang="en-IN" dirty="0"/>
           </a:p>
         </p:txBody>
       </p:sp>
@@ -28228,14 +28584,30 @@
             <p:ph type="body" sz="quarter" idx="11"/>
           </p:nvPr>
         </p:nvSpPr>
-        <p:spPr/>
+        <p:spPr>
+          <a:xfrm>
+            <a:off x="142889" y="4392607"/>
+            <a:ext cx="4138166" cy="228600"/>
+          </a:xfrm>
+        </p:spPr>
         <p:txBody>
           <a:bodyPr>
             <a:normAutofit fontScale="92500" lnSpcReduction="20000"/>
           </a:bodyPr>
           <a:lstStyle/>
           <a:p>
-            <a:endParaRPr lang="en-IN"/>
+            <a:r>
+              <a:rPr lang="en-IN" sz="1200" dirty="0"/>
+              <a:t>Sri </a:t>
+            </a:r>
+            <a:r>
+              <a:rPr lang="en-IN" sz="1200" dirty="0" err="1"/>
+              <a:t>Venkateshwaraa</a:t>
+            </a:r>
+            <a:r>
+              <a:rPr lang="en-IN" sz="1200" dirty="0"/>
+              <a:t> College of Engineering And Technology</a:t>
+            </a:r>
           </a:p>
         </p:txBody>
       </p:sp>
@@ -28255,12 +28627,23 @@
             <p:ph type="body" sz="quarter" idx="16"/>
           </p:nvPr>
         </p:nvSpPr>
-        <p:spPr/>
+        <p:spPr>
+          <a:xfrm>
+            <a:off x="1132012" y="3980258"/>
+            <a:ext cx="983672" cy="349511"/>
+          </a:xfrm>
+        </p:spPr>
         <p:txBody>
-          <a:bodyPr/>
+          <a:bodyPr>
+            <a:normAutofit fontScale="92500"/>
+          </a:bodyPr>
           <a:lstStyle/>
           <a:p>
-            <a:endParaRPr lang="en-IN"/>
+            <a:r>
+              <a:rPr lang="en-IN" dirty="0" err="1"/>
+              <a:t>ThiruKumaran</a:t>
+            </a:r>
+            <a:endParaRPr lang="en-IN" dirty="0"/>
           </a:p>
         </p:txBody>
       </p:sp>
@@ -28282,10 +28665,16 @@
         </p:nvSpPr>
         <p:spPr/>
         <p:txBody>
-          <a:bodyPr/>
+          <a:bodyPr>
+            <a:normAutofit fontScale="92500"/>
+          </a:bodyPr>
           <a:lstStyle/>
           <a:p>
-            <a:endParaRPr lang="en-IN"/>
+            <a:r>
+              <a:rPr lang="en-IN" dirty="0" err="1"/>
+              <a:t>GuruPrasath</a:t>
+            </a:r>
+            <a:endParaRPr lang="en-IN" dirty="0"/>
           </a:p>
         </p:txBody>
       </p:sp>
@@ -28310,7 +28699,10 @@
           <a:bodyPr/>
           <a:lstStyle/>
           <a:p>
-            <a:endParaRPr lang="en-IN" dirty="0"/>
+            <a:r>
+              <a:rPr lang="en-IN" dirty="0"/>
+              <a:t>Yogesh</a:t>
+            </a:r>
           </a:p>
         </p:txBody>
       </p:sp>
@@ -28330,14 +28722,23 @@
             <p:ph type="body" sz="quarter" idx="19"/>
           </p:nvPr>
         </p:nvSpPr>
-        <p:spPr/>
+        <p:spPr>
+          <a:xfrm>
+            <a:off x="144187" y="4662770"/>
+            <a:ext cx="3084868" cy="200892"/>
+          </a:xfrm>
+        </p:spPr>
         <p:txBody>
           <a:bodyPr>
-            <a:normAutofit fontScale="70000" lnSpcReduction="20000"/>
+            <a:normAutofit fontScale="62500" lnSpcReduction="20000"/>
           </a:bodyPr>
           <a:lstStyle/>
           <a:p>
-            <a:endParaRPr lang="en-IN"/>
+            <a:r>
+              <a:rPr lang="en-IN" sz="1400" dirty="0"/>
+              <a:t>Puducherry</a:t>
+            </a:r>
+            <a:endParaRPr lang="en-IN" sz="700" dirty="0"/>
           </a:p>
         </p:txBody>
       </p:sp>
@@ -28360,11 +28761,19 @@
         <p:spPr/>
         <p:txBody>
           <a:bodyPr>
-            <a:normAutofit fontScale="70000" lnSpcReduction="20000"/>
+            <a:normAutofit fontScale="85000" lnSpcReduction="20000"/>
           </a:bodyPr>
           <a:lstStyle/>
           <a:p>
-            <a:endParaRPr lang="en-IN"/>
+            <a:r>
+              <a:rPr lang="en-IN" sz="1000" dirty="0"/>
+              <a:t>Saranya </a:t>
+            </a:r>
+            <a:r>
+              <a:rPr lang="en-IN" sz="1000" dirty="0" err="1"/>
+              <a:t>Vadivelu</a:t>
+            </a:r>
+            <a:endParaRPr lang="en-IN" sz="1000" dirty="0"/>
           </a:p>
         </p:txBody>
       </p:sp>
@@ -28616,6 +29025,114 @@
           </a:p>
         </p:txBody>
       </p:sp>
+      <p:pic>
+        <p:nvPicPr>
+          <p:cNvPr id="18" name="Picture 17" descr="A person with a beard wearing a blue shirt&#10;&#10;Description automatically generated">
+            <a:extLst>
+              <a:ext uri="{FF2B5EF4-FFF2-40B4-BE49-F238E27FC236}">
+                <a16:creationId xmlns:a16="http://schemas.microsoft.com/office/drawing/2014/main" id="{0F524DCD-2AD1-B640-498C-04D63F458B52}"/>
+              </a:ext>
+            </a:extLst>
+          </p:cNvPr>
+          <p:cNvPicPr>
+            <a:picLocks noChangeAspect="1"/>
+          </p:cNvPicPr>
+          <p:nvPr/>
+        </p:nvPicPr>
+        <p:blipFill>
+          <a:blip r:embed="rId3" cstate="print">
+            <a:extLst>
+              <a:ext uri="{28A0092B-C50C-407E-A947-70E740481C1C}">
+                <a14:useLocalDpi xmlns:a14="http://schemas.microsoft.com/office/drawing/2010/main" val="0"/>
+              </a:ext>
+            </a:extLst>
+          </a:blip>
+          <a:stretch>
+            <a:fillRect/>
+          </a:stretch>
+        </p:blipFill>
+        <p:spPr>
+          <a:xfrm>
+            <a:off x="293018" y="3128869"/>
+            <a:ext cx="780727" cy="780571"/>
+          </a:xfrm>
+          <a:prstGeom prst="rect">
+            <a:avLst/>
+          </a:prstGeom>
+        </p:spPr>
+      </p:pic>
+      <p:pic>
+        <p:nvPicPr>
+          <p:cNvPr id="20" name="Picture 19" descr="A person with a mustache and beard&#10;&#10;Description automatically generated">
+            <a:extLst>
+              <a:ext uri="{FF2B5EF4-FFF2-40B4-BE49-F238E27FC236}">
+                <a16:creationId xmlns:a16="http://schemas.microsoft.com/office/drawing/2014/main" id="{EF7CE141-B8AC-CC75-1476-BF2EA570F108}"/>
+              </a:ext>
+            </a:extLst>
+          </p:cNvPr>
+          <p:cNvPicPr>
+            <a:picLocks noChangeAspect="1"/>
+          </p:cNvPicPr>
+          <p:nvPr/>
+        </p:nvPicPr>
+        <p:blipFill>
+          <a:blip r:embed="rId4" cstate="print">
+            <a:extLst>
+              <a:ext uri="{28A0092B-C50C-407E-A947-70E740481C1C}">
+                <a14:useLocalDpi xmlns:a14="http://schemas.microsoft.com/office/drawing/2010/main" val="0"/>
+              </a:ext>
+            </a:extLst>
+          </a:blip>
+          <a:stretch>
+            <a:fillRect/>
+          </a:stretch>
+        </p:blipFill>
+        <p:spPr>
+          <a:xfrm>
+            <a:off x="1316873" y="3151739"/>
+            <a:ext cx="736458" cy="751169"/>
+          </a:xfrm>
+          <a:prstGeom prst="rect">
+            <a:avLst/>
+          </a:prstGeom>
+        </p:spPr>
+      </p:pic>
+      <p:pic>
+        <p:nvPicPr>
+          <p:cNvPr id="22" name="Picture 21" descr="A person with a mustache and a mustache&#10;&#10;Description automatically generated">
+            <a:extLst>
+              <a:ext uri="{FF2B5EF4-FFF2-40B4-BE49-F238E27FC236}">
+                <a16:creationId xmlns:a16="http://schemas.microsoft.com/office/drawing/2014/main" id="{E9822654-8373-B0A3-EB6D-81C8B9B6AE7A}"/>
+              </a:ext>
+            </a:extLst>
+          </p:cNvPr>
+          <p:cNvPicPr>
+            <a:picLocks noChangeAspect="1"/>
+          </p:cNvPicPr>
+          <p:nvPr/>
+        </p:nvPicPr>
+        <p:blipFill>
+          <a:blip r:embed="rId5" cstate="print">
+            <a:extLst>
+              <a:ext uri="{28A0092B-C50C-407E-A947-70E740481C1C}">
+                <a14:useLocalDpi xmlns:a14="http://schemas.microsoft.com/office/drawing/2010/main" val="0"/>
+              </a:ext>
+            </a:extLst>
+          </a:blip>
+          <a:stretch>
+            <a:fillRect/>
+          </a:stretch>
+        </p:blipFill>
+        <p:spPr>
+          <a:xfrm>
+            <a:off x="2251131" y="3182243"/>
+            <a:ext cx="741745" cy="730763"/>
+          </a:xfrm>
+          <a:prstGeom prst="rect">
+            <a:avLst/>
+          </a:prstGeom>
+        </p:spPr>
+      </p:pic>
     </p:spTree>
     <p:extLst>
       <p:ext uri="{BB962C8B-B14F-4D97-AF65-F5344CB8AC3E}">
@@ -28695,7 +29212,38 @@
           <a:bodyPr/>
           <a:lstStyle/>
           <a:p>
-            <a:endParaRPr lang="en-IN"/>
+            <a:r>
+              <a:rPr lang="en-IN" dirty="0"/>
+              <a:t>Electromagnetic suspension : </a:t>
+            </a:r>
+            <a:r>
+              <a:rPr lang="en-IN" dirty="0">
+                <a:hlinkClick r:id="rId2"/>
+              </a:rPr>
+              <a:t>https://nevonprojects.com/power-generation-using-electromagnetic-suspension/</a:t>
+            </a:r>
+            <a:endParaRPr lang="en-IN" dirty="0"/>
+          </a:p>
+          <a:p>
+            <a:r>
+              <a:rPr lang="en-IN" dirty="0">
+                <a:hlinkClick r:id="rId3"/>
+              </a:rPr>
+              <a:t>https://sustainenergyres.springeropen.com/articles/10.1186/s40807-020-00062-7</a:t>
+            </a:r>
+            <a:endParaRPr lang="en-IN" dirty="0"/>
+          </a:p>
+          <a:p>
+            <a:r>
+              <a:rPr lang="en-IN" dirty="0">
+                <a:hlinkClick r:id="rId4"/>
+              </a:rPr>
+              <a:t>https://www.sciencedirect.com/science/article/abs/pii/S2213138822002910</a:t>
+            </a:r>
+            <a:endParaRPr lang="en-IN" dirty="0"/>
+          </a:p>
+          <a:p>
+            <a:endParaRPr lang="en-IN" dirty="0"/>
           </a:p>
         </p:txBody>
       </p:sp>
@@ -28729,31 +29277,37 @@
           <a:chExt cx="0" cy="0"/>
         </a:xfrm>
       </p:grpSpPr>
-      <p:sp>
-        <p:nvSpPr>
-          <p:cNvPr id="2" name="Picture Placeholder 1">
+      <p:pic>
+        <p:nvPicPr>
+          <p:cNvPr id="5" name="Picture Placeholder 4" descr="A motorcycle on a road&#10;&#10;Description automatically generated">
             <a:extLst>
               <a:ext uri="{FF2B5EF4-FFF2-40B4-BE49-F238E27FC236}">
-                <a16:creationId xmlns:a16="http://schemas.microsoft.com/office/drawing/2014/main" id="{BF3578FD-E730-6981-C940-AF1C47115D9A}"/>
+                <a16:creationId xmlns:a16="http://schemas.microsoft.com/office/drawing/2014/main" id="{01281084-0AD6-C140-8C19-133790EA2630}"/>
               </a:ext>
             </a:extLst>
           </p:cNvPr>
-          <p:cNvSpPr>
-            <a:spLocks noGrp="1"/>
-          </p:cNvSpPr>
+          <p:cNvPicPr>
+            <a:picLocks noGrp="1" noChangeAspect="1"/>
+          </p:cNvPicPr>
           <p:nvPr>
             <p:ph type="pic" sz="quarter" idx="14"/>
           </p:nvPr>
-        </p:nvSpPr>
+        </p:nvPicPr>
+        <p:blipFill>
+          <a:blip r:embed="rId2">
+            <a:extLst>
+              <a:ext uri="{28A0092B-C50C-407E-A947-70E740481C1C}">
+                <a14:useLocalDpi xmlns:a14="http://schemas.microsoft.com/office/drawing/2010/main" val="0"/>
+              </a:ext>
+            </a:extLst>
+          </a:blip>
+          <a:srcRect l="22456" r="22456"/>
+          <a:stretch>
+            <a:fillRect/>
+          </a:stretch>
+        </p:blipFill>
         <p:spPr/>
-        <p:txBody>
-          <a:bodyPr/>
-          <a:lstStyle/>
-          <a:p>
-            <a:endParaRPr lang="en-IN" dirty="0"/>
-          </a:p>
-        </p:txBody>
-      </p:sp>
+      </p:pic>
       <p:sp>
         <p:nvSpPr>
           <p:cNvPr id="3" name="Title 2">
@@ -28984,10 +29538,16 @@
         </p:nvSpPr>
         <p:spPr/>
         <p:txBody>
-          <a:bodyPr/>
+          <a:bodyPr>
+            <a:normAutofit/>
+          </a:bodyPr>
           <a:lstStyle/>
           <a:p>
-            <a:endParaRPr lang="en-IN"/>
+            <a:r>
+              <a:rPr lang="en-US" sz="2800" dirty="0"/>
+              <a:t>How might we efficiently integrate turbine systems into vehicles to generate electricity without compromising vehicle performance, aerodynamics, or energy efficiency, while harnessing waste energy from natural airflow, mechanical motion, or underutilized systems</a:t>
+            </a:r>
+            <a:endParaRPr lang="en-IN" sz="2800" dirty="0"/>
           </a:p>
         </p:txBody>
       </p:sp>
@@ -29049,31 +29609,905 @@
           </a:p>
         </p:txBody>
       </p:sp>
-      <p:sp>
-        <p:nvSpPr>
-          <p:cNvPr id="3" name="Content Placeholder 2">
+      <p:pic>
+        <p:nvPicPr>
+          <p:cNvPr id="5" name="Content Placeholder 4" descr="An orange moped with grey and black accents&#10;&#10;Description automatically generated">
             <a:extLst>
               <a:ext uri="{FF2B5EF4-FFF2-40B4-BE49-F238E27FC236}">
-                <a16:creationId xmlns:a16="http://schemas.microsoft.com/office/drawing/2014/main" id="{AFC9E5D7-7BA1-9D1F-5647-D6E0EC4E6BE7}"/>
+                <a16:creationId xmlns:a16="http://schemas.microsoft.com/office/drawing/2014/main" id="{E77A1B29-B0F8-3E02-62D7-4CF3B8569F08}"/>
               </a:ext>
             </a:extLst>
           </p:cNvPr>
-          <p:cNvSpPr>
-            <a:spLocks noGrp="1"/>
-          </p:cNvSpPr>
+          <p:cNvPicPr>
+            <a:picLocks noGrp="1" noChangeAspect="1"/>
+          </p:cNvPicPr>
           <p:nvPr>
             <p:ph idx="1"/>
           </p:nvPr>
-        </p:nvSpPr>
-        <p:spPr/>
-        <p:txBody>
-          <a:bodyPr/>
-          <a:lstStyle/>
-          <a:p>
-            <a:endParaRPr lang="en-IN"/>
-          </a:p>
-        </p:txBody>
-      </p:sp>
+        </p:nvPicPr>
+        <p:blipFill>
+          <a:blip r:embed="rId2" cstate="print">
+            <a:extLst>
+              <a:ext uri="{28A0092B-C50C-407E-A947-70E740481C1C}">
+                <a14:useLocalDpi xmlns:a14="http://schemas.microsoft.com/office/drawing/2010/main" val="0"/>
+              </a:ext>
+            </a:extLst>
+          </a:blip>
+          <a:stretch>
+            <a:fillRect/>
+          </a:stretch>
+        </p:blipFill>
+        <p:spPr>
+          <a:xfrm>
+            <a:off x="263237" y="1141692"/>
+            <a:ext cx="2727052" cy="1533967"/>
+          </a:xfrm>
+        </p:spPr>
+      </p:pic>
+      <p:pic>
+        <p:nvPicPr>
+          <p:cNvPr id="9" name="Picture 8" descr="A computer generated image of a gear&#10;&#10;Description automatically generated">
+            <a:extLst>
+              <a:ext uri="{FF2B5EF4-FFF2-40B4-BE49-F238E27FC236}">
+                <a16:creationId xmlns:a16="http://schemas.microsoft.com/office/drawing/2014/main" id="{1E989F3B-C2E7-485E-1FDF-DEC6FF7CDA31}"/>
+              </a:ext>
+            </a:extLst>
+          </p:cNvPr>
+          <p:cNvPicPr>
+            <a:picLocks noChangeAspect="1"/>
+          </p:cNvPicPr>
+          <p:nvPr/>
+        </p:nvPicPr>
+        <p:blipFill>
+          <a:blip r:embed="rId3" cstate="print">
+            <a:extLst>
+              <a:ext uri="{28A0092B-C50C-407E-A947-70E740481C1C}">
+                <a14:useLocalDpi xmlns:a14="http://schemas.microsoft.com/office/drawing/2010/main" val="0"/>
+              </a:ext>
+            </a:extLst>
+          </a:blip>
+          <a:stretch>
+            <a:fillRect/>
+          </a:stretch>
+        </p:blipFill>
+        <p:spPr>
+          <a:xfrm>
+            <a:off x="3843350" y="944338"/>
+            <a:ext cx="1690501" cy="1659950"/>
+          </a:xfrm>
+          <a:prstGeom prst="rect">
+            <a:avLst/>
+          </a:prstGeom>
+        </p:spPr>
+      </p:pic>
+      <p:pic>
+        <p:nvPicPr>
+          <p:cNvPr id="11" name="Picture 10" descr="A screenshot of a computer generated image&#10;&#10;Description automatically generated">
+            <a:extLst>
+              <a:ext uri="{FF2B5EF4-FFF2-40B4-BE49-F238E27FC236}">
+                <a16:creationId xmlns:a16="http://schemas.microsoft.com/office/drawing/2014/main" id="{8CC18E3E-2B0A-9646-2958-FE65CE9CFB9A}"/>
+              </a:ext>
+            </a:extLst>
+          </p:cNvPr>
+          <p:cNvPicPr>
+            <a:picLocks noChangeAspect="1"/>
+          </p:cNvPicPr>
+          <p:nvPr/>
+        </p:nvPicPr>
+        <p:blipFill>
+          <a:blip r:embed="rId4" cstate="print">
+            <a:extLst>
+              <a:ext uri="{28A0092B-C50C-407E-A947-70E740481C1C}">
+                <a14:useLocalDpi xmlns:a14="http://schemas.microsoft.com/office/drawing/2010/main" val="0"/>
+              </a:ext>
+            </a:extLst>
+          </a:blip>
+          <a:stretch>
+            <a:fillRect/>
+          </a:stretch>
+        </p:blipFill>
+        <p:spPr>
+          <a:xfrm>
+            <a:off x="6386913" y="944338"/>
+            <a:ext cx="2646774" cy="1705841"/>
+          </a:xfrm>
+          <a:prstGeom prst="rect">
+            <a:avLst/>
+          </a:prstGeom>
+        </p:spPr>
+      </p:pic>
+      <p:pic>
+        <p:nvPicPr>
+          <p:cNvPr id="13" name="Picture 12" descr="A drawing of a bus&#10;&#10;Description automatically generated">
+            <a:extLst>
+              <a:ext uri="{FF2B5EF4-FFF2-40B4-BE49-F238E27FC236}">
+                <a16:creationId xmlns:a16="http://schemas.microsoft.com/office/drawing/2014/main" id="{9101D342-C135-2E08-375C-F182D8DCBD25}"/>
+              </a:ext>
+            </a:extLst>
+          </p:cNvPr>
+          <p:cNvPicPr>
+            <a:picLocks noChangeAspect="1"/>
+          </p:cNvPicPr>
+          <p:nvPr/>
+        </p:nvPicPr>
+        <p:blipFill>
+          <a:blip r:embed="rId5" cstate="print">
+            <a:extLst>
+              <a:ext uri="{28A0092B-C50C-407E-A947-70E740481C1C}">
+                <a14:useLocalDpi xmlns:a14="http://schemas.microsoft.com/office/drawing/2010/main" val="0"/>
+              </a:ext>
+            </a:extLst>
+          </a:blip>
+          <a:stretch>
+            <a:fillRect/>
+          </a:stretch>
+        </p:blipFill>
+        <p:spPr>
+          <a:xfrm>
+            <a:off x="403418" y="2675659"/>
+            <a:ext cx="2041909" cy="1358635"/>
+          </a:xfrm>
+          <a:prstGeom prst="rect">
+            <a:avLst/>
+          </a:prstGeom>
+        </p:spPr>
+      </p:pic>
+      <p:pic>
+        <p:nvPicPr>
+          <p:cNvPr id="15" name="Picture 14" descr="A drawing of a car&#10;&#10;Description automatically generated">
+            <a:extLst>
+              <a:ext uri="{FF2B5EF4-FFF2-40B4-BE49-F238E27FC236}">
+                <a16:creationId xmlns:a16="http://schemas.microsoft.com/office/drawing/2014/main" id="{E0E681D7-AD30-CE03-CE3A-CFB9F920832D}"/>
+              </a:ext>
+            </a:extLst>
+          </p:cNvPr>
+          <p:cNvPicPr>
+            <a:picLocks noChangeAspect="1"/>
+          </p:cNvPicPr>
+          <p:nvPr/>
+        </p:nvPicPr>
+        <p:blipFill>
+          <a:blip r:embed="rId6" cstate="print">
+            <a:extLst>
+              <a:ext uri="{28A0092B-C50C-407E-A947-70E740481C1C}">
+                <a14:useLocalDpi xmlns:a14="http://schemas.microsoft.com/office/drawing/2010/main" val="0"/>
+              </a:ext>
+            </a:extLst>
+          </a:blip>
+          <a:stretch>
+            <a:fillRect/>
+          </a:stretch>
+        </p:blipFill>
+        <p:spPr>
+          <a:xfrm>
+            <a:off x="457199" y="3713019"/>
+            <a:ext cx="2058247" cy="1430482"/>
+          </a:xfrm>
+          <a:prstGeom prst="rect">
+            <a:avLst/>
+          </a:prstGeom>
+        </p:spPr>
+      </p:pic>
+      <mc:AlternateContent xmlns:mc="http://schemas.openxmlformats.org/markup-compatibility/2006">
+        <mc:Choice xmlns:p14="http://schemas.microsoft.com/office/powerpoint/2010/main" Requires="p14">
+          <p:contentPart p14:bwMode="auto" r:id="rId7">
+            <p14:nvContentPartPr>
+              <p14:cNvPr id="19" name="Ink 18">
+                <a:extLst>
+                  <a:ext uri="{FF2B5EF4-FFF2-40B4-BE49-F238E27FC236}">
+                    <a16:creationId xmlns:a16="http://schemas.microsoft.com/office/drawing/2014/main" id="{CBEA4DFD-9450-CD07-4A9F-2DFFA913F1BB}"/>
+                  </a:ext>
+                </a:extLst>
+              </p14:cNvPr>
+              <p14:cNvContentPartPr/>
+              <p14:nvPr/>
+            </p14:nvContentPartPr>
+            <p14:xfrm>
+              <a:off x="2735880" y="1949924"/>
+              <a:ext cx="1120680" cy="360"/>
+            </p14:xfrm>
+          </p:contentPart>
+        </mc:Choice>
+        <mc:Fallback>
+          <p:pic>
+            <p:nvPicPr>
+              <p:cNvPr id="19" name="Ink 18">
+                <a:extLst>
+                  <a:ext uri="{FF2B5EF4-FFF2-40B4-BE49-F238E27FC236}">
+                    <a16:creationId xmlns:a16="http://schemas.microsoft.com/office/drawing/2014/main" id="{CBEA4DFD-9450-CD07-4A9F-2DFFA913F1BB}"/>
+                  </a:ext>
+                </a:extLst>
+              </p:cNvPr>
+              <p:cNvPicPr/>
+              <p:nvPr/>
+            </p:nvPicPr>
+            <p:blipFill>
+              <a:blip r:embed="rId8"/>
+              <a:stretch>
+                <a:fillRect/>
+              </a:stretch>
+            </p:blipFill>
+            <p:spPr>
+              <a:xfrm>
+                <a:off x="2729760" y="1943804"/>
+                <a:ext cx="1132920" cy="12600"/>
+              </a:xfrm>
+              <a:prstGeom prst="rect">
+                <a:avLst/>
+              </a:prstGeom>
+            </p:spPr>
+          </p:pic>
+        </mc:Fallback>
+      </mc:AlternateContent>
+      <mc:AlternateContent xmlns:mc="http://schemas.openxmlformats.org/markup-compatibility/2006">
+        <mc:Choice xmlns:p14="http://schemas.microsoft.com/office/powerpoint/2010/main" Requires="p14">
+          <p:contentPart p14:bwMode="auto" r:id="rId9">
+            <p14:nvContentPartPr>
+              <p14:cNvPr id="20" name="Ink 19">
+                <a:extLst>
+                  <a:ext uri="{FF2B5EF4-FFF2-40B4-BE49-F238E27FC236}">
+                    <a16:creationId xmlns:a16="http://schemas.microsoft.com/office/drawing/2014/main" id="{F6B03576-4068-9EF2-9341-5B7FF0744953}"/>
+                  </a:ext>
+                </a:extLst>
+              </p14:cNvPr>
+              <p14:cNvContentPartPr/>
+              <p14:nvPr/>
+            </p14:nvContentPartPr>
+            <p14:xfrm>
+              <a:off x="5555400" y="1957124"/>
+              <a:ext cx="829800" cy="360"/>
+            </p14:xfrm>
+          </p:contentPart>
+        </mc:Choice>
+        <mc:Fallback>
+          <p:pic>
+            <p:nvPicPr>
+              <p:cNvPr id="20" name="Ink 19">
+                <a:extLst>
+                  <a:ext uri="{FF2B5EF4-FFF2-40B4-BE49-F238E27FC236}">
+                    <a16:creationId xmlns:a16="http://schemas.microsoft.com/office/drawing/2014/main" id="{F6B03576-4068-9EF2-9341-5B7FF0744953}"/>
+                  </a:ext>
+                </a:extLst>
+              </p:cNvPr>
+              <p:cNvPicPr/>
+              <p:nvPr/>
+            </p:nvPicPr>
+            <p:blipFill>
+              <a:blip r:embed="rId10"/>
+              <a:stretch>
+                <a:fillRect/>
+              </a:stretch>
+            </p:blipFill>
+            <p:spPr>
+              <a:xfrm>
+                <a:off x="5549280" y="1951004"/>
+                <a:ext cx="842040" cy="12600"/>
+              </a:xfrm>
+              <a:prstGeom prst="rect">
+                <a:avLst/>
+              </a:prstGeom>
+            </p:spPr>
+          </p:pic>
+        </mc:Fallback>
+      </mc:AlternateContent>
+      <mc:AlternateContent xmlns:mc="http://schemas.openxmlformats.org/markup-compatibility/2006">
+        <mc:Choice xmlns:p14="http://schemas.microsoft.com/office/powerpoint/2010/main" Requires="p14">
+          <p:contentPart p14:bwMode="auto" r:id="rId11">
+            <p14:nvContentPartPr>
+              <p14:cNvPr id="21" name="Ink 20">
+                <a:extLst>
+                  <a:ext uri="{FF2B5EF4-FFF2-40B4-BE49-F238E27FC236}">
+                    <a16:creationId xmlns:a16="http://schemas.microsoft.com/office/drawing/2014/main" id="{751A5EE6-DC78-4F34-2B91-CA815C2EE07B}"/>
+                  </a:ext>
+                </a:extLst>
+              </p14:cNvPr>
+              <p14:cNvContentPartPr/>
+              <p14:nvPr/>
+            </p14:nvContentPartPr>
+            <p14:xfrm>
+              <a:off x="2292720" y="3404684"/>
+              <a:ext cx="759240" cy="360"/>
+            </p14:xfrm>
+          </p:contentPart>
+        </mc:Choice>
+        <mc:Fallback>
+          <p:pic>
+            <p:nvPicPr>
+              <p:cNvPr id="21" name="Ink 20">
+                <a:extLst>
+                  <a:ext uri="{FF2B5EF4-FFF2-40B4-BE49-F238E27FC236}">
+                    <a16:creationId xmlns:a16="http://schemas.microsoft.com/office/drawing/2014/main" id="{751A5EE6-DC78-4F34-2B91-CA815C2EE07B}"/>
+                  </a:ext>
+                </a:extLst>
+              </p:cNvPr>
+              <p:cNvPicPr/>
+              <p:nvPr/>
+            </p:nvPicPr>
+            <p:blipFill>
+              <a:blip r:embed="rId12"/>
+              <a:stretch>
+                <a:fillRect/>
+              </a:stretch>
+            </p:blipFill>
+            <p:spPr>
+              <a:xfrm>
+                <a:off x="2286600" y="3398564"/>
+                <a:ext cx="771480" cy="12600"/>
+              </a:xfrm>
+              <a:prstGeom prst="rect">
+                <a:avLst/>
+              </a:prstGeom>
+            </p:spPr>
+          </p:pic>
+        </mc:Fallback>
+      </mc:AlternateContent>
+      <mc:AlternateContent xmlns:mc="http://schemas.openxmlformats.org/markup-compatibility/2006">
+        <mc:Choice xmlns:p14="http://schemas.microsoft.com/office/powerpoint/2010/main" Requires="p14">
+          <p:contentPart p14:bwMode="auto" r:id="rId13">
+            <p14:nvContentPartPr>
+              <p14:cNvPr id="22" name="Ink 21">
+                <a:extLst>
+                  <a:ext uri="{FF2B5EF4-FFF2-40B4-BE49-F238E27FC236}">
+                    <a16:creationId xmlns:a16="http://schemas.microsoft.com/office/drawing/2014/main" id="{408A7005-CAFE-C000-0092-B2314795DEE9}"/>
+                  </a:ext>
+                </a:extLst>
+              </p14:cNvPr>
+              <p14:cNvContentPartPr/>
+              <p14:nvPr/>
+            </p14:nvContentPartPr>
+            <p14:xfrm>
+              <a:off x="3072120" y="3415124"/>
+              <a:ext cx="360" cy="1256400"/>
+            </p14:xfrm>
+          </p:contentPart>
+        </mc:Choice>
+        <mc:Fallback>
+          <p:pic>
+            <p:nvPicPr>
+              <p:cNvPr id="22" name="Ink 21">
+                <a:extLst>
+                  <a:ext uri="{FF2B5EF4-FFF2-40B4-BE49-F238E27FC236}">
+                    <a16:creationId xmlns:a16="http://schemas.microsoft.com/office/drawing/2014/main" id="{408A7005-CAFE-C000-0092-B2314795DEE9}"/>
+                  </a:ext>
+                </a:extLst>
+              </p:cNvPr>
+              <p:cNvPicPr/>
+              <p:nvPr/>
+            </p:nvPicPr>
+            <p:blipFill>
+              <a:blip r:embed="rId14"/>
+              <a:stretch>
+                <a:fillRect/>
+              </a:stretch>
+            </p:blipFill>
+            <p:spPr>
+              <a:xfrm>
+                <a:off x="3066000" y="3409004"/>
+                <a:ext cx="12600" cy="1268640"/>
+              </a:xfrm>
+              <a:prstGeom prst="rect">
+                <a:avLst/>
+              </a:prstGeom>
+            </p:spPr>
+          </p:pic>
+        </mc:Fallback>
+      </mc:AlternateContent>
+      <mc:AlternateContent xmlns:mc="http://schemas.openxmlformats.org/markup-compatibility/2006">
+        <mc:Choice xmlns:p14="http://schemas.microsoft.com/office/powerpoint/2010/main" Requires="p14">
+          <p:contentPart p14:bwMode="auto" r:id="rId15">
+            <p14:nvContentPartPr>
+              <p14:cNvPr id="23" name="Ink 22">
+                <a:extLst>
+                  <a:ext uri="{FF2B5EF4-FFF2-40B4-BE49-F238E27FC236}">
+                    <a16:creationId xmlns:a16="http://schemas.microsoft.com/office/drawing/2014/main" id="{9ADD9A81-DD81-95D2-A286-F8347071F09B}"/>
+                  </a:ext>
+                </a:extLst>
+              </p14:cNvPr>
+              <p14:cNvContentPartPr/>
+              <p14:nvPr/>
+            </p14:nvContentPartPr>
+            <p14:xfrm>
+              <a:off x="2475960" y="4672244"/>
+              <a:ext cx="592920" cy="360"/>
+            </p14:xfrm>
+          </p:contentPart>
+        </mc:Choice>
+        <mc:Fallback>
+          <p:pic>
+            <p:nvPicPr>
+              <p:cNvPr id="23" name="Ink 22">
+                <a:extLst>
+                  <a:ext uri="{FF2B5EF4-FFF2-40B4-BE49-F238E27FC236}">
+                    <a16:creationId xmlns:a16="http://schemas.microsoft.com/office/drawing/2014/main" id="{9ADD9A81-DD81-95D2-A286-F8347071F09B}"/>
+                  </a:ext>
+                </a:extLst>
+              </p:cNvPr>
+              <p:cNvPicPr/>
+              <p:nvPr/>
+            </p:nvPicPr>
+            <p:blipFill>
+              <a:blip r:embed="rId16"/>
+              <a:stretch>
+                <a:fillRect/>
+              </a:stretch>
+            </p:blipFill>
+            <p:spPr>
+              <a:xfrm>
+                <a:off x="2469840" y="4666124"/>
+                <a:ext cx="605160" cy="12600"/>
+              </a:xfrm>
+              <a:prstGeom prst="rect">
+                <a:avLst/>
+              </a:prstGeom>
+            </p:spPr>
+          </p:pic>
+        </mc:Fallback>
+      </mc:AlternateContent>
+      <mc:AlternateContent xmlns:mc="http://schemas.openxmlformats.org/markup-compatibility/2006">
+        <mc:Choice xmlns:p14="http://schemas.microsoft.com/office/powerpoint/2010/main" Requires="p14">
+          <p:contentPart p14:bwMode="auto" r:id="rId17">
+            <p14:nvContentPartPr>
+              <p14:cNvPr id="24" name="Ink 23">
+                <a:extLst>
+                  <a:ext uri="{FF2B5EF4-FFF2-40B4-BE49-F238E27FC236}">
+                    <a16:creationId xmlns:a16="http://schemas.microsoft.com/office/drawing/2014/main" id="{BAF42480-7A8E-DF67-6374-F30180A9199F}"/>
+                  </a:ext>
+                </a:extLst>
+              </p14:cNvPr>
+              <p14:cNvContentPartPr/>
+              <p14:nvPr/>
+            </p14:nvContentPartPr>
+            <p14:xfrm>
+              <a:off x="3082560" y="4041524"/>
+              <a:ext cx="757080" cy="360"/>
+            </p14:xfrm>
+          </p:contentPart>
+        </mc:Choice>
+        <mc:Fallback>
+          <p:pic>
+            <p:nvPicPr>
+              <p:cNvPr id="24" name="Ink 23">
+                <a:extLst>
+                  <a:ext uri="{FF2B5EF4-FFF2-40B4-BE49-F238E27FC236}">
+                    <a16:creationId xmlns:a16="http://schemas.microsoft.com/office/drawing/2014/main" id="{BAF42480-7A8E-DF67-6374-F30180A9199F}"/>
+                  </a:ext>
+                </a:extLst>
+              </p:cNvPr>
+              <p:cNvPicPr/>
+              <p:nvPr/>
+            </p:nvPicPr>
+            <p:blipFill>
+              <a:blip r:embed="rId18"/>
+              <a:stretch>
+                <a:fillRect/>
+              </a:stretch>
+            </p:blipFill>
+            <p:spPr>
+              <a:xfrm>
+                <a:off x="3076440" y="4035404"/>
+                <a:ext cx="769320" cy="12600"/>
+              </a:xfrm>
+              <a:prstGeom prst="rect">
+                <a:avLst/>
+              </a:prstGeom>
+            </p:spPr>
+          </p:pic>
+        </mc:Fallback>
+      </mc:AlternateContent>
+      <mc:AlternateContent xmlns:mc="http://schemas.openxmlformats.org/markup-compatibility/2006">
+        <mc:Choice xmlns:p14="http://schemas.microsoft.com/office/powerpoint/2010/main" Requires="p14">
+          <p:contentPart p14:bwMode="auto" r:id="rId19">
+            <p14:nvContentPartPr>
+              <p14:cNvPr id="26" name="Ink 25">
+                <a:extLst>
+                  <a:ext uri="{FF2B5EF4-FFF2-40B4-BE49-F238E27FC236}">
+                    <a16:creationId xmlns:a16="http://schemas.microsoft.com/office/drawing/2014/main" id="{AD96A8BB-B509-336F-6A64-CE8537401875}"/>
+                  </a:ext>
+                </a:extLst>
+              </p14:cNvPr>
+              <p14:cNvContentPartPr/>
+              <p14:nvPr/>
+            </p14:nvContentPartPr>
+            <p14:xfrm>
+              <a:off x="3735240" y="1862084"/>
+              <a:ext cx="117720" cy="92160"/>
+            </p14:xfrm>
+          </p:contentPart>
+        </mc:Choice>
+        <mc:Fallback>
+          <p:pic>
+            <p:nvPicPr>
+              <p:cNvPr id="26" name="Ink 25">
+                <a:extLst>
+                  <a:ext uri="{FF2B5EF4-FFF2-40B4-BE49-F238E27FC236}">
+                    <a16:creationId xmlns:a16="http://schemas.microsoft.com/office/drawing/2014/main" id="{AD96A8BB-B509-336F-6A64-CE8537401875}"/>
+                  </a:ext>
+                </a:extLst>
+              </p:cNvPr>
+              <p:cNvPicPr/>
+              <p:nvPr/>
+            </p:nvPicPr>
+            <p:blipFill>
+              <a:blip r:embed="rId20"/>
+              <a:stretch>
+                <a:fillRect/>
+              </a:stretch>
+            </p:blipFill>
+            <p:spPr>
+              <a:xfrm>
+                <a:off x="3729120" y="1855964"/>
+                <a:ext cx="129960" cy="104400"/>
+              </a:xfrm>
+              <a:prstGeom prst="rect">
+                <a:avLst/>
+              </a:prstGeom>
+            </p:spPr>
+          </p:pic>
+        </mc:Fallback>
+      </mc:AlternateContent>
+      <mc:AlternateContent xmlns:mc="http://schemas.openxmlformats.org/markup-compatibility/2006">
+        <mc:Choice xmlns:p14="http://schemas.microsoft.com/office/powerpoint/2010/main" Requires="p14">
+          <p:contentPart p14:bwMode="auto" r:id="rId21">
+            <p14:nvContentPartPr>
+              <p14:cNvPr id="27" name="Ink 26">
+                <a:extLst>
+                  <a:ext uri="{FF2B5EF4-FFF2-40B4-BE49-F238E27FC236}">
+                    <a16:creationId xmlns:a16="http://schemas.microsoft.com/office/drawing/2014/main" id="{650C68F6-23B8-6295-9D98-68FEB4E270A6}"/>
+                  </a:ext>
+                </a:extLst>
+              </p14:cNvPr>
+              <p14:cNvContentPartPr/>
+              <p14:nvPr/>
+            </p14:nvContentPartPr>
+            <p14:xfrm>
+              <a:off x="6273960" y="1876124"/>
+              <a:ext cx="106920" cy="83520"/>
+            </p14:xfrm>
+          </p:contentPart>
+        </mc:Choice>
+        <mc:Fallback>
+          <p:pic>
+            <p:nvPicPr>
+              <p:cNvPr id="27" name="Ink 26">
+                <a:extLst>
+                  <a:ext uri="{FF2B5EF4-FFF2-40B4-BE49-F238E27FC236}">
+                    <a16:creationId xmlns:a16="http://schemas.microsoft.com/office/drawing/2014/main" id="{650C68F6-23B8-6295-9D98-68FEB4E270A6}"/>
+                  </a:ext>
+                </a:extLst>
+              </p:cNvPr>
+              <p:cNvPicPr/>
+              <p:nvPr/>
+            </p:nvPicPr>
+            <p:blipFill>
+              <a:blip r:embed="rId22"/>
+              <a:stretch>
+                <a:fillRect/>
+              </a:stretch>
+            </p:blipFill>
+            <p:spPr>
+              <a:xfrm>
+                <a:off x="6267840" y="1870004"/>
+                <a:ext cx="119160" cy="95760"/>
+              </a:xfrm>
+              <a:prstGeom prst="rect">
+                <a:avLst/>
+              </a:prstGeom>
+            </p:spPr>
+          </p:pic>
+        </mc:Fallback>
+      </mc:AlternateContent>
+      <mc:AlternateContent xmlns:mc="http://schemas.openxmlformats.org/markup-compatibility/2006">
+        <mc:Choice xmlns:p14="http://schemas.microsoft.com/office/powerpoint/2010/main" Requires="p14">
+          <p:contentPart p14:bwMode="auto" r:id="rId23">
+            <p14:nvContentPartPr>
+              <p14:cNvPr id="28" name="Ink 27">
+                <a:extLst>
+                  <a:ext uri="{FF2B5EF4-FFF2-40B4-BE49-F238E27FC236}">
+                    <a16:creationId xmlns:a16="http://schemas.microsoft.com/office/drawing/2014/main" id="{3D078794-709D-15AB-094D-3DA925C9A389}"/>
+                  </a:ext>
+                </a:extLst>
+              </p14:cNvPr>
+              <p14:cNvContentPartPr/>
+              <p14:nvPr/>
+            </p14:nvContentPartPr>
+            <p14:xfrm>
+              <a:off x="3709320" y="3944684"/>
+              <a:ext cx="124560" cy="97560"/>
+            </p14:xfrm>
+          </p:contentPart>
+        </mc:Choice>
+        <mc:Fallback>
+          <p:pic>
+            <p:nvPicPr>
+              <p:cNvPr id="28" name="Ink 27">
+                <a:extLst>
+                  <a:ext uri="{FF2B5EF4-FFF2-40B4-BE49-F238E27FC236}">
+                    <a16:creationId xmlns:a16="http://schemas.microsoft.com/office/drawing/2014/main" id="{3D078794-709D-15AB-094D-3DA925C9A389}"/>
+                  </a:ext>
+                </a:extLst>
+              </p:cNvPr>
+              <p:cNvPicPr/>
+              <p:nvPr/>
+            </p:nvPicPr>
+            <p:blipFill>
+              <a:blip r:embed="rId24"/>
+              <a:stretch>
+                <a:fillRect/>
+              </a:stretch>
+            </p:blipFill>
+            <p:spPr>
+              <a:xfrm>
+                <a:off x="3703200" y="3938564"/>
+                <a:ext cx="136800" cy="109800"/>
+              </a:xfrm>
+              <a:prstGeom prst="rect">
+                <a:avLst/>
+              </a:prstGeom>
+            </p:spPr>
+          </p:pic>
+        </mc:Fallback>
+      </mc:AlternateContent>
+      <mc:AlternateContent xmlns:mc="http://schemas.openxmlformats.org/markup-compatibility/2006">
+        <mc:Choice xmlns:p14="http://schemas.microsoft.com/office/powerpoint/2010/main" Requires="p14">
+          <p:contentPart p14:bwMode="auto" r:id="rId25">
+            <p14:nvContentPartPr>
+              <p14:cNvPr id="31" name="Ink 30">
+                <a:extLst>
+                  <a:ext uri="{FF2B5EF4-FFF2-40B4-BE49-F238E27FC236}">
+                    <a16:creationId xmlns:a16="http://schemas.microsoft.com/office/drawing/2014/main" id="{C3BF220B-AD7F-C59A-468B-3AEC98EFCDD4}"/>
+                  </a:ext>
+                </a:extLst>
+              </p14:cNvPr>
+              <p14:cNvContentPartPr/>
+              <p14:nvPr/>
+            </p14:nvContentPartPr>
+            <p14:xfrm>
+              <a:off x="3729480" y="1959284"/>
+              <a:ext cx="117720" cy="85680"/>
+            </p14:xfrm>
+          </p:contentPart>
+        </mc:Choice>
+        <mc:Fallback>
+          <p:pic>
+            <p:nvPicPr>
+              <p:cNvPr id="31" name="Ink 30">
+                <a:extLst>
+                  <a:ext uri="{FF2B5EF4-FFF2-40B4-BE49-F238E27FC236}">
+                    <a16:creationId xmlns:a16="http://schemas.microsoft.com/office/drawing/2014/main" id="{C3BF220B-AD7F-C59A-468B-3AEC98EFCDD4}"/>
+                  </a:ext>
+                </a:extLst>
+              </p:cNvPr>
+              <p:cNvPicPr/>
+              <p:nvPr/>
+            </p:nvPicPr>
+            <p:blipFill>
+              <a:blip r:embed="rId26"/>
+              <a:stretch>
+                <a:fillRect/>
+              </a:stretch>
+            </p:blipFill>
+            <p:spPr>
+              <a:xfrm>
+                <a:off x="3723360" y="1953164"/>
+                <a:ext cx="129960" cy="97920"/>
+              </a:xfrm>
+              <a:prstGeom prst="rect">
+                <a:avLst/>
+              </a:prstGeom>
+            </p:spPr>
+          </p:pic>
+        </mc:Fallback>
+      </mc:AlternateContent>
+      <mc:AlternateContent xmlns:mc="http://schemas.openxmlformats.org/markup-compatibility/2006">
+        <mc:Choice xmlns:p14="http://schemas.microsoft.com/office/powerpoint/2010/main" Requires="p14">
+          <p:contentPart p14:bwMode="auto" r:id="rId27">
+            <p14:nvContentPartPr>
+              <p14:cNvPr id="32" name="Ink 31">
+                <a:extLst>
+                  <a:ext uri="{FF2B5EF4-FFF2-40B4-BE49-F238E27FC236}">
+                    <a16:creationId xmlns:a16="http://schemas.microsoft.com/office/drawing/2014/main" id="{210D1D90-20CC-4B12-32B9-7D65568F7B42}"/>
+                  </a:ext>
+                </a:extLst>
+              </p14:cNvPr>
+              <p14:cNvContentPartPr/>
+              <p14:nvPr/>
+            </p14:nvContentPartPr>
+            <p14:xfrm>
+              <a:off x="6288360" y="1955684"/>
+              <a:ext cx="109080" cy="79560"/>
+            </p14:xfrm>
+          </p:contentPart>
+        </mc:Choice>
+        <mc:Fallback>
+          <p:pic>
+            <p:nvPicPr>
+              <p:cNvPr id="32" name="Ink 31">
+                <a:extLst>
+                  <a:ext uri="{FF2B5EF4-FFF2-40B4-BE49-F238E27FC236}">
+                    <a16:creationId xmlns:a16="http://schemas.microsoft.com/office/drawing/2014/main" id="{210D1D90-20CC-4B12-32B9-7D65568F7B42}"/>
+                  </a:ext>
+                </a:extLst>
+              </p:cNvPr>
+              <p:cNvPicPr/>
+              <p:nvPr/>
+            </p:nvPicPr>
+            <p:blipFill>
+              <a:blip r:embed="rId28"/>
+              <a:stretch>
+                <a:fillRect/>
+              </a:stretch>
+            </p:blipFill>
+            <p:spPr>
+              <a:xfrm>
+                <a:off x="6282240" y="1949564"/>
+                <a:ext cx="121320" cy="91800"/>
+              </a:xfrm>
+              <a:prstGeom prst="rect">
+                <a:avLst/>
+              </a:prstGeom>
+            </p:spPr>
+          </p:pic>
+        </mc:Fallback>
+      </mc:AlternateContent>
+      <p:grpSp>
+        <p:nvGrpSpPr>
+          <p:cNvPr id="35" name="Group 34">
+            <a:extLst>
+              <a:ext uri="{FF2B5EF4-FFF2-40B4-BE49-F238E27FC236}">
+                <a16:creationId xmlns:a16="http://schemas.microsoft.com/office/drawing/2014/main" id="{F73D8B71-199A-9147-C3B6-1990D2DF34C8}"/>
+              </a:ext>
+            </a:extLst>
+          </p:cNvPr>
+          <p:cNvGrpSpPr/>
+          <p:nvPr/>
+        </p:nvGrpSpPr>
+        <p:grpSpPr>
+          <a:xfrm>
+            <a:off x="3738840" y="4054844"/>
+            <a:ext cx="88920" cy="64800"/>
+            <a:chOff x="3738840" y="4054844"/>
+            <a:chExt cx="88920" cy="64800"/>
+          </a:xfrm>
+        </p:grpSpPr>
+        <mc:AlternateContent xmlns:mc="http://schemas.openxmlformats.org/markup-compatibility/2006">
+          <mc:Choice xmlns:p14="http://schemas.microsoft.com/office/powerpoint/2010/main" Requires="p14">
+            <p:contentPart p14:bwMode="auto" r:id="rId29">
+              <p14:nvContentPartPr>
+                <p14:cNvPr id="33" name="Ink 32">
+                  <a:extLst>
+                    <a:ext uri="{FF2B5EF4-FFF2-40B4-BE49-F238E27FC236}">
+                      <a16:creationId xmlns:a16="http://schemas.microsoft.com/office/drawing/2014/main" id="{64C4252A-BAE9-67A9-45FF-7F335EE4D59E}"/>
+                    </a:ext>
+                  </a:extLst>
+                </p14:cNvPr>
+                <p14:cNvContentPartPr/>
+                <p14:nvPr/>
+              </p14:nvContentPartPr>
+              <p14:xfrm>
+                <a:off x="3738840" y="4054844"/>
+                <a:ext cx="88920" cy="64800"/>
+              </p14:xfrm>
+            </p:contentPart>
+          </mc:Choice>
+          <mc:Fallback>
+            <p:pic>
+              <p:nvPicPr>
+                <p:cNvPr id="33" name="Ink 32">
+                  <a:extLst>
+                    <a:ext uri="{FF2B5EF4-FFF2-40B4-BE49-F238E27FC236}">
+                      <a16:creationId xmlns:a16="http://schemas.microsoft.com/office/drawing/2014/main" id="{64C4252A-BAE9-67A9-45FF-7F335EE4D59E}"/>
+                    </a:ext>
+                  </a:extLst>
+                </p:cNvPr>
+                <p:cNvPicPr/>
+                <p:nvPr/>
+              </p:nvPicPr>
+              <p:blipFill>
+                <a:blip r:embed="rId30"/>
+                <a:stretch>
+                  <a:fillRect/>
+                </a:stretch>
+              </p:blipFill>
+              <p:spPr>
+                <a:xfrm>
+                  <a:off x="3732720" y="4048724"/>
+                  <a:ext cx="101160" cy="77040"/>
+                </a:xfrm>
+                <a:prstGeom prst="rect">
+                  <a:avLst/>
+                </a:prstGeom>
+              </p:spPr>
+            </p:pic>
+          </mc:Fallback>
+        </mc:AlternateContent>
+        <mc:AlternateContent xmlns:mc="http://schemas.openxmlformats.org/markup-compatibility/2006">
+          <mc:Choice xmlns:p14="http://schemas.microsoft.com/office/powerpoint/2010/main" Requires="p14">
+            <p:contentPart p14:bwMode="auto" r:id="rId31">
+              <p14:nvContentPartPr>
+                <p14:cNvPr id="34" name="Ink 33">
+                  <a:extLst>
+                    <a:ext uri="{FF2B5EF4-FFF2-40B4-BE49-F238E27FC236}">
+                      <a16:creationId xmlns:a16="http://schemas.microsoft.com/office/drawing/2014/main" id="{D0E71D23-4559-87FB-53BE-EE179BEB540D}"/>
+                    </a:ext>
+                  </a:extLst>
+                </p14:cNvPr>
+                <p14:cNvContentPartPr/>
+                <p14:nvPr/>
+              </p14:nvContentPartPr>
+              <p14:xfrm>
+                <a:off x="3803280" y="4054844"/>
+                <a:ext cx="24480" cy="18000"/>
+              </p14:xfrm>
+            </p:contentPart>
+          </mc:Choice>
+          <mc:Fallback>
+            <p:pic>
+              <p:nvPicPr>
+                <p:cNvPr id="34" name="Ink 33">
+                  <a:extLst>
+                    <a:ext uri="{FF2B5EF4-FFF2-40B4-BE49-F238E27FC236}">
+                      <a16:creationId xmlns:a16="http://schemas.microsoft.com/office/drawing/2014/main" id="{D0E71D23-4559-87FB-53BE-EE179BEB540D}"/>
+                    </a:ext>
+                  </a:extLst>
+                </p:cNvPr>
+                <p:cNvPicPr/>
+                <p:nvPr/>
+              </p:nvPicPr>
+              <p:blipFill>
+                <a:blip r:embed="rId32"/>
+                <a:stretch>
+                  <a:fillRect/>
+                </a:stretch>
+              </p:blipFill>
+              <p:spPr>
+                <a:xfrm>
+                  <a:off x="3797160" y="4048724"/>
+                  <a:ext cx="36720" cy="30240"/>
+                </a:xfrm>
+                <a:prstGeom prst="rect">
+                  <a:avLst/>
+                </a:prstGeom>
+              </p:spPr>
+            </p:pic>
+          </mc:Fallback>
+        </mc:AlternateContent>
+      </p:grpSp>
+      <p:pic>
+        <p:nvPicPr>
+          <p:cNvPr id="40" name="Picture 39" descr="A screenshot of a video game&#10;&#10;Description automatically generated">
+            <a:extLst>
+              <a:ext uri="{FF2B5EF4-FFF2-40B4-BE49-F238E27FC236}">
+                <a16:creationId xmlns:a16="http://schemas.microsoft.com/office/drawing/2014/main" id="{6D254115-170B-DF1C-E34D-EC02EE8159D8}"/>
+              </a:ext>
+            </a:extLst>
+          </p:cNvPr>
+          <p:cNvPicPr>
+            <a:picLocks noChangeAspect="1"/>
+          </p:cNvPicPr>
+          <p:nvPr/>
+        </p:nvPicPr>
+        <p:blipFill>
+          <a:blip r:embed="rId33">
+            <a:extLst>
+              <a:ext uri="{28A0092B-C50C-407E-A947-70E740481C1C}">
+                <a14:useLocalDpi xmlns:a14="http://schemas.microsoft.com/office/drawing/2010/main" val="0"/>
+              </a:ext>
+            </a:extLst>
+          </a:blip>
+          <a:stretch>
+            <a:fillRect/>
+          </a:stretch>
+        </p:blipFill>
+        <p:spPr>
+          <a:xfrm>
+            <a:off x="3860881" y="2972605"/>
+            <a:ext cx="5073118" cy="1944157"/>
+          </a:xfrm>
+          <a:prstGeom prst="rect">
+            <a:avLst/>
+          </a:prstGeom>
+        </p:spPr>
+      </p:pic>
     </p:spTree>
     <p:extLst>
       <p:ext uri="{BB962C8B-B14F-4D97-AF65-F5344CB8AC3E}">
@@ -29135,10 +30569,116 @@
       </p:sp>
       <p:sp>
         <p:nvSpPr>
-          <p:cNvPr id="3" name="Content Placeholder 2">
+          <p:cNvPr id="5" name="Text Placeholder 4">
             <a:extLst>
               <a:ext uri="{FF2B5EF4-FFF2-40B4-BE49-F238E27FC236}">
-                <a16:creationId xmlns:a16="http://schemas.microsoft.com/office/drawing/2014/main" id="{D54F4CF2-BFFD-D01E-E3FA-11A16E764D7A}"/>
+                <a16:creationId xmlns:a16="http://schemas.microsoft.com/office/drawing/2014/main" id="{096C8634-8292-C909-37C9-31B82583AAE9}"/>
+              </a:ext>
+            </a:extLst>
+          </p:cNvPr>
+          <p:cNvSpPr>
+            <a:spLocks noGrp="1"/>
+          </p:cNvSpPr>
+          <p:nvPr>
+            <p:ph type="body" sz="quarter" idx="12"/>
+          </p:nvPr>
+        </p:nvSpPr>
+        <p:spPr/>
+        <p:txBody>
+          <a:bodyPr/>
+          <a:lstStyle/>
+          <a:p>
+            <a:r>
+              <a:rPr lang="en-US" sz="2400" b="1" dirty="0"/>
+              <a:t>Pros</a:t>
+            </a:r>
+          </a:p>
+        </p:txBody>
+      </p:sp>
+      <p:sp>
+        <p:nvSpPr>
+          <p:cNvPr id="6" name="Text Placeholder 5">
+            <a:extLst>
+              <a:ext uri="{FF2B5EF4-FFF2-40B4-BE49-F238E27FC236}">
+                <a16:creationId xmlns:a16="http://schemas.microsoft.com/office/drawing/2014/main" id="{8A623726-792D-8809-280E-EF4E988E1D37}"/>
+              </a:ext>
+            </a:extLst>
+          </p:cNvPr>
+          <p:cNvSpPr>
+            <a:spLocks noGrp="1"/>
+          </p:cNvSpPr>
+          <p:nvPr>
+            <p:ph type="body" sz="quarter" idx="20"/>
+          </p:nvPr>
+        </p:nvSpPr>
+        <p:spPr/>
+        <p:txBody>
+          <a:bodyPr/>
+          <a:lstStyle/>
+          <a:p>
+            <a:endParaRPr lang="en-US"/>
+          </a:p>
+        </p:txBody>
+      </p:sp>
+      <p:sp>
+        <p:nvSpPr>
+          <p:cNvPr id="7" name="Text Placeholder 6">
+            <a:extLst>
+              <a:ext uri="{FF2B5EF4-FFF2-40B4-BE49-F238E27FC236}">
+                <a16:creationId xmlns:a16="http://schemas.microsoft.com/office/drawing/2014/main" id="{C2B0B268-CA76-40F9-18FA-295A7628A349}"/>
+              </a:ext>
+            </a:extLst>
+          </p:cNvPr>
+          <p:cNvSpPr>
+            <a:spLocks noGrp="1"/>
+          </p:cNvSpPr>
+          <p:nvPr>
+            <p:ph type="body" sz="quarter" idx="21"/>
+          </p:nvPr>
+        </p:nvSpPr>
+        <p:spPr/>
+        <p:txBody>
+          <a:bodyPr/>
+          <a:lstStyle/>
+          <a:p>
+            <a:r>
+              <a:rPr lang="en-US" sz="2400" b="1" dirty="0"/>
+              <a:t>Cons</a:t>
+            </a:r>
+          </a:p>
+        </p:txBody>
+      </p:sp>
+      <p:sp>
+        <p:nvSpPr>
+          <p:cNvPr id="8" name="Text Placeholder 7">
+            <a:extLst>
+              <a:ext uri="{FF2B5EF4-FFF2-40B4-BE49-F238E27FC236}">
+                <a16:creationId xmlns:a16="http://schemas.microsoft.com/office/drawing/2014/main" id="{1CD62CFA-1E3F-6BA3-3E52-B81F8C2C3A07}"/>
+              </a:ext>
+            </a:extLst>
+          </p:cNvPr>
+          <p:cNvSpPr>
+            <a:spLocks noGrp="1"/>
+          </p:cNvSpPr>
+          <p:nvPr>
+            <p:ph type="body" sz="quarter" idx="22"/>
+          </p:nvPr>
+        </p:nvSpPr>
+        <p:spPr/>
+        <p:txBody>
+          <a:bodyPr/>
+          <a:lstStyle/>
+          <a:p>
+            <a:endParaRPr lang="en-US"/>
+          </a:p>
+        </p:txBody>
+      </p:sp>
+      <p:sp>
+        <p:nvSpPr>
+          <p:cNvPr id="4" name="Content Placeholder 3">
+            <a:extLst>
+              <a:ext uri="{FF2B5EF4-FFF2-40B4-BE49-F238E27FC236}">
+                <a16:creationId xmlns:a16="http://schemas.microsoft.com/office/drawing/2014/main" id="{F767B4A4-5D5C-723A-C6D2-B27F8745A194}"/>
               </a:ext>
             </a:extLst>
           </p:cNvPr>
@@ -29151,10 +30691,328 @@
         </p:nvSpPr>
         <p:spPr/>
         <p:txBody>
-          <a:bodyPr/>
+          <a:bodyPr>
+            <a:normAutofit fontScale="92500" lnSpcReduction="10000"/>
+          </a:bodyPr>
           <a:lstStyle/>
           <a:p>
-            <a:endParaRPr lang="en-IN"/>
+            <a:r>
+              <a:rPr lang="en-US" b="1" dirty="0"/>
+              <a:t>. Energy Recovery</a:t>
+            </a:r>
+          </a:p>
+          <a:p>
+            <a:pPr lvl="1">
+              <a:buFont typeface="Arial" panose="020B0604020202020204" pitchFamily="34" charset="0"/>
+              <a:buChar char="•"/>
+            </a:pPr>
+            <a:r>
+              <a:rPr lang="en-US" dirty="0"/>
+              <a:t>Turbines can help harness </a:t>
+            </a:r>
+            <a:r>
+              <a:rPr lang="en-US" i="1" dirty="0"/>
+              <a:t>wasted kinetic energy</a:t>
+            </a:r>
+            <a:r>
+              <a:rPr lang="en-US" dirty="0"/>
+              <a:t> or </a:t>
+            </a:r>
+            <a:r>
+              <a:rPr lang="en-US" i="1" dirty="0"/>
+              <a:t>airflow</a:t>
+            </a:r>
+            <a:r>
+              <a:rPr lang="en-US" dirty="0"/>
+              <a:t> to generate electricity, particularly when vehicles are moving at high speeds.</a:t>
+            </a:r>
+          </a:p>
+          <a:p>
+            <a:pPr lvl="1">
+              <a:buFont typeface="Arial" panose="020B0604020202020204" pitchFamily="34" charset="0"/>
+              <a:buChar char="•"/>
+            </a:pPr>
+            <a:r>
+              <a:rPr lang="en-US" dirty="0"/>
+              <a:t>implementation on </a:t>
+            </a:r>
+            <a:r>
+              <a:rPr lang="en-US" b="1" dirty="0"/>
+              <a:t>electric scooters or EVs</a:t>
+            </a:r>
+            <a:r>
+              <a:rPr lang="en-US" dirty="0"/>
+              <a:t>, the recovered energy can recharge the battery, increasing range.</a:t>
+            </a:r>
+          </a:p>
+          <a:p>
+            <a:r>
+              <a:rPr lang="en-US" b="1" dirty="0"/>
+              <a:t>2. Eco-friendly Solution</a:t>
+            </a:r>
+          </a:p>
+          <a:p>
+            <a:pPr lvl="1">
+              <a:buFont typeface="Arial" panose="020B0604020202020204" pitchFamily="34" charset="0"/>
+              <a:buChar char="•"/>
+            </a:pPr>
+            <a:r>
+              <a:rPr lang="en-US" dirty="0"/>
+              <a:t>By producing electricity from </a:t>
+            </a:r>
+            <a:r>
+              <a:rPr lang="en-US" b="1" dirty="0"/>
+              <a:t>renewable</a:t>
+            </a:r>
+            <a:r>
+              <a:rPr lang="en-US" dirty="0"/>
+              <a:t> motion or wind (aerodynamic drag), it promotes sustainable energy.</a:t>
+            </a:r>
+          </a:p>
+          <a:p>
+            <a:pPr lvl="1">
+              <a:buFont typeface="Arial" panose="020B0604020202020204" pitchFamily="34" charset="0"/>
+              <a:buChar char="•"/>
+            </a:pPr>
+            <a:r>
+              <a:rPr lang="en-US" dirty="0"/>
+              <a:t>Reduces dependence on external power sources for electric vehicles.</a:t>
+            </a:r>
+          </a:p>
+          <a:p>
+            <a:r>
+              <a:rPr lang="en-US" b="1" dirty="0"/>
+              <a:t>3. Extended Battery Life</a:t>
+            </a:r>
+          </a:p>
+          <a:p>
+            <a:pPr lvl="1">
+              <a:buFont typeface="Arial" panose="020B0604020202020204" pitchFamily="34" charset="0"/>
+              <a:buChar char="•"/>
+            </a:pPr>
+            <a:r>
+              <a:rPr lang="en-US" dirty="0"/>
+              <a:t>recharging the batteries while driving reduces the frequency of charging stations usage.</a:t>
+            </a:r>
+          </a:p>
+          <a:p>
+            <a:r>
+              <a:rPr lang="en-US" b="1" dirty="0"/>
+              <a:t>4. Innovative Hybrid Systems</a:t>
+            </a:r>
+          </a:p>
+          <a:p>
+            <a:pPr lvl="1">
+              <a:buFont typeface="Arial" panose="020B0604020202020204" pitchFamily="34" charset="0"/>
+              <a:buChar char="•"/>
+            </a:pPr>
+            <a:r>
+              <a:rPr lang="en-US" dirty="0"/>
+              <a:t>Adding turbines as auxiliary power sources allows a vehicle to operate in hybrid mode, combining traditional batteries and turbine-generated electricity.</a:t>
+            </a:r>
+          </a:p>
+          <a:p>
+            <a:r>
+              <a:rPr lang="en-US" b="1" dirty="0"/>
+              <a:t>5. Useful During High Speeds</a:t>
+            </a:r>
+          </a:p>
+          <a:p>
+            <a:pPr lvl="1">
+              <a:buFont typeface="Arial" panose="020B0604020202020204" pitchFamily="34" charset="0"/>
+              <a:buChar char="•"/>
+            </a:pPr>
+            <a:r>
+              <a:rPr lang="en-US" dirty="0"/>
+              <a:t>Vehicles moving on highways or in consistent motion (e.g., scooters, buses, or cars) produce more wind or mechanical force, making the turbines more efficient.</a:t>
+            </a:r>
+          </a:p>
+          <a:p>
+            <a:endParaRPr lang="en-US" dirty="0"/>
+          </a:p>
+        </p:txBody>
+      </p:sp>
+      <p:sp>
+        <p:nvSpPr>
+          <p:cNvPr id="9" name="Content Placeholder 8">
+            <a:extLst>
+              <a:ext uri="{FF2B5EF4-FFF2-40B4-BE49-F238E27FC236}">
+                <a16:creationId xmlns:a16="http://schemas.microsoft.com/office/drawing/2014/main" id="{957BF231-644B-DCC5-9B51-72C25D959403}"/>
+              </a:ext>
+            </a:extLst>
+          </p:cNvPr>
+          <p:cNvSpPr>
+            <a:spLocks noGrp="1"/>
+          </p:cNvSpPr>
+          <p:nvPr>
+            <p:ph idx="23"/>
+          </p:nvPr>
+        </p:nvSpPr>
+        <p:spPr/>
+        <p:txBody>
+          <a:bodyPr>
+            <a:normAutofit fontScale="92500" lnSpcReduction="20000"/>
+          </a:bodyPr>
+          <a:lstStyle/>
+          <a:p>
+            <a:r>
+              <a:rPr lang="en-US" b="1" dirty="0"/>
+              <a:t>1. Increased Aerodynamic Drag</a:t>
+            </a:r>
+          </a:p>
+          <a:p>
+            <a:pPr lvl="1">
+              <a:buFont typeface="Arial" panose="020B0604020202020204" pitchFamily="34" charset="0"/>
+              <a:buChar char="•"/>
+            </a:pPr>
+            <a:r>
+              <a:rPr lang="en-US" dirty="0"/>
+              <a:t>For air turbines mounted externally (on buses or cars), wind resistance increases, negatively impacting fuel efficiency or energy consumption restricting </a:t>
+            </a:r>
+            <a:r>
+              <a:rPr lang="en-US" dirty="0" err="1"/>
+              <a:t>vechiles</a:t>
+            </a:r>
+            <a:r>
+              <a:rPr lang="en-US" dirty="0"/>
+              <a:t> free movement.</a:t>
+            </a:r>
+          </a:p>
+          <a:p>
+            <a:r>
+              <a:rPr lang="en-US" b="1" dirty="0"/>
+              <a:t>2. Added Weight and Complexity</a:t>
+            </a:r>
+          </a:p>
+          <a:p>
+            <a:pPr lvl="1">
+              <a:buFont typeface="Arial" panose="020B0604020202020204" pitchFamily="34" charset="0"/>
+              <a:buChar char="•"/>
+            </a:pPr>
+            <a:r>
+              <a:rPr lang="en-US" dirty="0"/>
+              <a:t>Introducing turbines adds </a:t>
+            </a:r>
+            <a:r>
+              <a:rPr lang="en-US" b="1" dirty="0"/>
+              <a:t>weight</a:t>
+            </a:r>
+            <a:r>
+              <a:rPr lang="en-US" dirty="0"/>
+              <a:t> to the vehicle and increases </a:t>
+            </a:r>
+            <a:r>
+              <a:rPr lang="en-US" b="1" dirty="0"/>
+              <a:t>mechanical complexity</a:t>
+            </a:r>
+            <a:r>
+              <a:rPr lang="en-US" dirty="0"/>
+              <a:t>, which might offset the energy gains.</a:t>
+            </a:r>
+          </a:p>
+          <a:p>
+            <a:pPr lvl="1">
+              <a:buFont typeface="Arial" panose="020B0604020202020204" pitchFamily="34" charset="0"/>
+              <a:buChar char="•"/>
+            </a:pPr>
+            <a:r>
+              <a:rPr lang="en-US" dirty="0"/>
+              <a:t>For lightweight vehicles (e.g., scooters), the extra load can reduce performance.</a:t>
+            </a:r>
+          </a:p>
+          <a:p>
+            <a:r>
+              <a:rPr lang="en-US" b="1" dirty="0"/>
+              <a:t>3. Inefficiency at Low Speeds</a:t>
+            </a:r>
+          </a:p>
+          <a:p>
+            <a:pPr lvl="1">
+              <a:buFont typeface="Arial" panose="020B0604020202020204" pitchFamily="34" charset="0"/>
+              <a:buChar char="•"/>
+            </a:pPr>
+            <a:r>
+              <a:rPr lang="en-US" dirty="0"/>
+              <a:t>Turbines require </a:t>
+            </a:r>
+            <a:r>
+              <a:rPr lang="en-US" b="1" dirty="0"/>
+              <a:t>consistent airflow or motion</a:t>
+            </a:r>
+            <a:r>
+              <a:rPr lang="en-US" dirty="0"/>
+              <a:t>. At low speeds or idle stops, the turbines would generate little to no power.</a:t>
+            </a:r>
+          </a:p>
+          <a:p>
+            <a:pPr lvl="1">
+              <a:buFont typeface="Arial" panose="020B0604020202020204" pitchFamily="34" charset="0"/>
+              <a:buChar char="•"/>
+            </a:pPr>
+            <a:r>
+              <a:rPr lang="en-US" dirty="0"/>
+              <a:t>For city traffic, with frequent stopping, turbines might not be effective.</a:t>
+            </a:r>
+          </a:p>
+          <a:p>
+            <a:r>
+              <a:rPr lang="en-US" b="1" dirty="0"/>
+              <a:t>4. Cost of Implementation</a:t>
+            </a:r>
+          </a:p>
+          <a:p>
+            <a:pPr lvl="1">
+              <a:buFont typeface="Arial" panose="020B0604020202020204" pitchFamily="34" charset="0"/>
+              <a:buChar char="•"/>
+            </a:pPr>
+            <a:r>
+              <a:rPr lang="en-US" dirty="0"/>
+              <a:t>Manufacturing and installing turbines might increase vehicle costs.</a:t>
+            </a:r>
+          </a:p>
+          <a:p>
+            <a:pPr lvl="1">
+              <a:buFont typeface="Arial" panose="020B0604020202020204" pitchFamily="34" charset="0"/>
+              <a:buChar char="•"/>
+            </a:pPr>
+            <a:r>
+              <a:rPr lang="en-US" dirty="0"/>
+              <a:t>Maintenance and repairs for turbines add to the long-term cost burden.</a:t>
+            </a:r>
+          </a:p>
+          <a:p>
+            <a:r>
+              <a:rPr lang="en-US" b="1" dirty="0"/>
+              <a:t>5. Energy Loss (Not Perpetual Motion)</a:t>
+            </a:r>
+          </a:p>
+          <a:p>
+            <a:pPr lvl="1">
+              <a:buFont typeface="Arial" panose="020B0604020202020204" pitchFamily="34" charset="0"/>
+              <a:buChar char="•"/>
+            </a:pPr>
+            <a:r>
+              <a:rPr lang="en-US" dirty="0"/>
+              <a:t>Due to the </a:t>
+            </a:r>
+            <a:r>
+              <a:rPr lang="en-US" b="1" dirty="0"/>
+              <a:t>laws of thermodynamics</a:t>
+            </a:r>
+            <a:r>
+              <a:rPr lang="en-US" dirty="0"/>
+              <a:t>, extracting energy via turbines might draw power from the main system, making vehicles work harder and negating benefits.</a:t>
+            </a:r>
+          </a:p>
+          <a:p>
+            <a:pPr lvl="1">
+              <a:buFont typeface="Arial" panose="020B0604020202020204" pitchFamily="34" charset="0"/>
+              <a:buChar char="•"/>
+            </a:pPr>
+            <a:r>
+              <a:rPr lang="en-US" dirty="0"/>
+              <a:t>Systems aren't 100% efficient, and energy loss in the process might outweigh the gains.</a:t>
+            </a:r>
           </a:p>
         </p:txBody>
       </p:sp>
@@ -29234,10 +31092,195 @@
         </p:nvSpPr>
         <p:spPr/>
         <p:txBody>
-          <a:bodyPr/>
+          <a:bodyPr>
+            <a:normAutofit fontScale="92500" lnSpcReduction="20000"/>
+          </a:bodyPr>
           <a:lstStyle/>
           <a:p>
-            <a:endParaRPr lang="en-IN"/>
+            <a:pPr marL="342900" indent="-342900">
+              <a:buFont typeface="+mj-lt"/>
+              <a:buAutoNum type="arabicPeriod"/>
+            </a:pPr>
+            <a:r>
+              <a:rPr lang="en-US" b="1" dirty="0"/>
+              <a:t>Turbine Design</a:t>
+            </a:r>
+            <a:endParaRPr lang="en-US" dirty="0"/>
+          </a:p>
+          <a:p>
+            <a:pPr lvl="1">
+              <a:buFont typeface="Arial" panose="020B0604020202020204" pitchFamily="34" charset="0"/>
+              <a:buChar char="•"/>
+            </a:pPr>
+            <a:r>
+              <a:rPr lang="en-US" b="1" dirty="0"/>
+              <a:t>Turbine Blades</a:t>
+            </a:r>
+            <a:r>
+              <a:rPr lang="en-US" dirty="0"/>
+              <a:t>: Multi-bladed turbines are shown, designed to capture maximum airflow while minimizing energy loss and drag. </a:t>
+            </a:r>
+          </a:p>
+          <a:p>
+            <a:pPr marL="685791" lvl="1" indent="-342900">
+              <a:buFont typeface="+mj-lt"/>
+              <a:buAutoNum type="alphaLcParenR"/>
+            </a:pPr>
+            <a:r>
+              <a:rPr lang="en-US" b="1" dirty="0"/>
+              <a:t>Arrangement</a:t>
+            </a:r>
+            <a:r>
+              <a:rPr lang="en-US" dirty="0"/>
+              <a:t>:</a:t>
+            </a:r>
+          </a:p>
+          <a:p>
+            <a:pPr marL="800100" lvl="1" indent="-342900">
+              <a:buFont typeface="Arial" panose="020B0604020202020204" pitchFamily="34" charset="0"/>
+              <a:buChar char="•"/>
+            </a:pPr>
+            <a:r>
+              <a:rPr lang="en-US" dirty="0"/>
+              <a:t>In the image, turbines are placed in series within a </a:t>
+            </a:r>
+            <a:r>
+              <a:rPr lang="en-US" b="1" dirty="0"/>
+              <a:t>linear duct</a:t>
+            </a:r>
+            <a:r>
+              <a:rPr lang="en-US" dirty="0"/>
+              <a:t> or frame, allowing airflow to pass through multiple blades sequentially.</a:t>
+            </a:r>
+          </a:p>
+          <a:p>
+            <a:pPr marL="800100" lvl="1" indent="-342900">
+              <a:buFont typeface="Arial" panose="020B0604020202020204" pitchFamily="34" charset="0"/>
+              <a:buChar char="•"/>
+            </a:pPr>
+            <a:r>
+              <a:rPr lang="en-US" dirty="0"/>
+              <a:t>These can be used under vehicle bodies where airflow is concentrated through channels.</a:t>
+            </a:r>
+          </a:p>
+          <a:p>
+            <a:pPr marL="342900" indent="-342900">
+              <a:buFont typeface="+mj-lt"/>
+              <a:buAutoNum type="arabicPeriod"/>
+            </a:pPr>
+            <a:r>
+              <a:rPr lang="en-US" b="1" dirty="0"/>
+              <a:t>Placement and Implementation</a:t>
+            </a:r>
+            <a:endParaRPr lang="en-US" dirty="0"/>
+          </a:p>
+          <a:p>
+            <a:pPr lvl="1">
+              <a:buFont typeface="Arial" panose="020B0604020202020204" pitchFamily="34" charset="0"/>
+              <a:buChar char="•"/>
+            </a:pPr>
+            <a:r>
+              <a:rPr lang="en-US" dirty="0"/>
+              <a:t>For </a:t>
+            </a:r>
+            <a:r>
+              <a:rPr lang="en-US" b="1" dirty="0"/>
+              <a:t>two-wheelers (e.g., scooter)</a:t>
+            </a:r>
+            <a:r>
+              <a:rPr lang="en-US" dirty="0"/>
+              <a:t>: The turbine can be installed just above the battery Compartment at which airflow can be made to pass through chambers.</a:t>
+            </a:r>
+          </a:p>
+          <a:p>
+            <a:pPr lvl="1">
+              <a:buFont typeface="Arial" panose="020B0604020202020204" pitchFamily="34" charset="0"/>
+              <a:buChar char="•"/>
+            </a:pPr>
+            <a:r>
+              <a:rPr lang="en-US" dirty="0"/>
+              <a:t>For </a:t>
+            </a:r>
+            <a:r>
+              <a:rPr lang="en-US" b="1" dirty="0"/>
+              <a:t>buses and cars</a:t>
+            </a:r>
+            <a:r>
+              <a:rPr lang="en-US" dirty="0"/>
+              <a:t>: Larger turbines can be integrated into </a:t>
+            </a:r>
+            <a:r>
+              <a:rPr lang="en-US" b="1" dirty="0"/>
+              <a:t>undercarriages</a:t>
+            </a:r>
+            <a:r>
+              <a:rPr lang="en-US" dirty="0"/>
+              <a:t>, or through ducts in strategic zones where airflow or vehicle motion generates natural turbulence.	</a:t>
+            </a:r>
+          </a:p>
+          <a:p>
+            <a:pPr lvl="1">
+              <a:buFont typeface="Arial" panose="020B0604020202020204" pitchFamily="34" charset="0"/>
+              <a:buChar char="•"/>
+            </a:pPr>
+            <a:r>
+              <a:rPr lang="en-US" dirty="0"/>
+              <a:t>A multi-turbine array, as depicted in the image, maximizes energy recovery over a larger airflow area.</a:t>
+            </a:r>
+          </a:p>
+          <a:p>
+            <a:pPr marL="342900" indent="-342900">
+              <a:buFont typeface="+mj-lt"/>
+              <a:buAutoNum type="arabicPeriod"/>
+            </a:pPr>
+            <a:r>
+              <a:rPr lang="en-US" b="1" dirty="0"/>
+              <a:t>Energy Capture Mechanism</a:t>
+            </a:r>
+            <a:endParaRPr lang="en-US" dirty="0"/>
+          </a:p>
+          <a:p>
+            <a:pPr lvl="1">
+              <a:buFont typeface="Arial" panose="020B0604020202020204" pitchFamily="34" charset="0"/>
+              <a:buChar char="•"/>
+            </a:pPr>
+            <a:r>
+              <a:rPr lang="en-US" dirty="0"/>
+              <a:t>The spinning turbines convert mechanical rotational energy into </a:t>
+            </a:r>
+            <a:r>
+              <a:rPr lang="en-US" b="1" dirty="0"/>
+              <a:t>electricity</a:t>
+            </a:r>
+            <a:r>
+              <a:rPr lang="en-US" dirty="0"/>
+              <a:t> through attached </a:t>
+            </a:r>
+            <a:r>
+              <a:rPr lang="en-US" b="1" dirty="0"/>
+              <a:t>generators</a:t>
+            </a:r>
+            <a:r>
+              <a:rPr lang="en-US" dirty="0"/>
+              <a:t>.</a:t>
+            </a:r>
+          </a:p>
+          <a:p>
+            <a:pPr lvl="1">
+              <a:buFont typeface="Arial" panose="020B0604020202020204" pitchFamily="34" charset="0"/>
+              <a:buChar char="•"/>
+            </a:pPr>
+            <a:r>
+              <a:rPr lang="en-US" b="1" dirty="0"/>
+              <a:t>Small-scale alternators</a:t>
+            </a:r>
+            <a:r>
+              <a:rPr lang="en-US" dirty="0"/>
+              <a:t> are linked to turbines to produce low-voltage output, which can charge auxiliary batteries, capacitors, or power onboard electrical systems such as lights, sensors, and fans.</a:t>
+            </a:r>
+          </a:p>
+          <a:p>
+            <a:endParaRPr lang="en-IN" dirty="0"/>
           </a:p>
         </p:txBody>
       </p:sp>
@@ -29293,37 +31336,742 @@
           <a:lstStyle/>
           <a:p>
             <a:r>
-              <a:rPr lang="en-IN" dirty="0"/>
+              <a:rPr lang="en-IN"/>
               <a:t>Implementation Plan</a:t>
             </a:r>
+            <a:endParaRPr lang="en-IN" dirty="0"/>
           </a:p>
         </p:txBody>
       </p:sp>
       <p:sp>
         <p:nvSpPr>
-          <p:cNvPr id="3" name="Content Placeholder 2">
+          <p:cNvPr id="4" name="Rectangle 1">
             <a:extLst>
               <a:ext uri="{FF2B5EF4-FFF2-40B4-BE49-F238E27FC236}">
-                <a16:creationId xmlns:a16="http://schemas.microsoft.com/office/drawing/2014/main" id="{E9BCFC67-F5AA-8E05-39EC-73CBF3865066}"/>
+                <a16:creationId xmlns:a16="http://schemas.microsoft.com/office/drawing/2014/main" id="{937FF2B4-4550-889A-E217-B0F187E2FA7E}"/>
               </a:ext>
             </a:extLst>
           </p:cNvPr>
           <p:cNvSpPr>
-            <a:spLocks noGrp="1"/>
+            <a:spLocks noGrp="1" noChangeArrowheads="1"/>
           </p:cNvSpPr>
           <p:nvPr>
             <p:ph idx="1"/>
           </p:nvPr>
         </p:nvSpPr>
-        <p:spPr/>
+        <p:spPr bwMode="auto">
+          <a:xfrm>
+            <a:off x="348000" y="1061648"/>
+            <a:ext cx="4867038" cy="3785652"/>
+          </a:xfrm>
+          <a:prstGeom prst="rect">
+            <a:avLst/>
+          </a:prstGeom>
+          <a:noFill/>
+          <a:ln>
+            <a:noFill/>
+          </a:ln>
+          <a:effectLst/>
+          <a:extLst>
+            <a:ext uri="{909E8E84-426E-40DD-AFC4-6F175D3DCCD1}">
+              <a14:hiddenFill xmlns:a14="http://schemas.microsoft.com/office/drawing/2010/main">
+                <a:solidFill>
+                  <a:schemeClr val="accent1"/>
+                </a:solidFill>
+              </a14:hiddenFill>
+            </a:ext>
+            <a:ext uri="{91240B29-F687-4F45-9708-019B960494DF}">
+              <a14:hiddenLine xmlns:a14="http://schemas.microsoft.com/office/drawing/2010/main" w="9525">
+                <a:solidFill>
+                  <a:schemeClr val="tx1"/>
+                </a:solidFill>
+                <a:miter lim="800000"/>
+                <a:headEnd/>
+                <a:tailEnd/>
+              </a14:hiddenLine>
+            </a:ext>
+            <a:ext uri="{AF507438-7753-43E0-B8FC-AC1667EBCBE1}">
+              <a14:hiddenEffects xmlns:a14="http://schemas.microsoft.com/office/drawing/2010/main">
+                <a:effectLst>
+                  <a:outerShdw dist="35921" dir="2700000" algn="ctr" rotWithShape="0">
+                    <a:schemeClr val="bg2"/>
+                  </a:outerShdw>
+                </a:effectLst>
+              </a14:hiddenEffects>
+            </a:ext>
+          </a:extLst>
+        </p:spPr>
         <p:txBody>
-          <a:bodyPr/>
+          <a:bodyPr vert="horz" wrap="none" lIns="91440" tIns="45720" rIns="91440" bIns="45720" numCol="1" anchor="ctr" anchorCtr="0" compatLnSpc="1">
+            <a:prstTxWarp prst="textNoShape">
+              <a:avLst/>
+            </a:prstTxWarp>
+            <a:spAutoFit/>
+          </a:bodyPr>
           <a:lstStyle/>
           <a:p>
-            <a:endParaRPr lang="en-IN"/>
+            <a:pPr marL="342900" marR="0" lvl="0" indent="-342900" algn="l" defTabSz="914400" rtl="0" eaLnBrk="0" fontAlgn="base" latinLnBrk="0" hangingPunct="0">
+              <a:lnSpc>
+                <a:spcPct val="100000"/>
+              </a:lnSpc>
+              <a:spcBef>
+                <a:spcPct val="0"/>
+              </a:spcBef>
+              <a:spcAft>
+                <a:spcPct val="0"/>
+              </a:spcAft>
+              <a:buClrTx/>
+              <a:buSzTx/>
+              <a:buFont typeface="+mj-lt"/>
+              <a:buAutoNum type="arabicPeriod"/>
+              <a:tabLst/>
+            </a:pPr>
+            <a:r>
+              <a:rPr kumimoji="0" lang="en-US" altLang="en-US" sz="1400" b="1" i="0" u="none" strike="noStrike" cap="none" normalizeH="0" baseline="0" dirty="0">
+                <a:ln>
+                  <a:noFill/>
+                </a:ln>
+                <a:solidFill>
+                  <a:schemeClr val="tx1"/>
+                </a:solidFill>
+                <a:effectLst/>
+                <a:latin typeface="Arial" panose="020B0604020202020204" pitchFamily="34" charset="0"/>
+              </a:rPr>
+              <a:t>Feasibility Study</a:t>
+            </a:r>
+            <a:r>
+              <a:rPr kumimoji="0" lang="en-US" altLang="en-US" sz="1400" b="0" i="0" u="none" strike="noStrike" cap="none" normalizeH="0" baseline="0" dirty="0">
+                <a:ln>
+                  <a:noFill/>
+                </a:ln>
+                <a:solidFill>
+                  <a:schemeClr val="tx1"/>
+                </a:solidFill>
+                <a:effectLst/>
+                <a:latin typeface="Arial" panose="020B0604020202020204" pitchFamily="34" charset="0"/>
+              </a:rPr>
+              <a:t>:</a:t>
+            </a:r>
+          </a:p>
+          <a:p>
+            <a:pPr lvl="1" defTabSz="914400" eaLnBrk="0" fontAlgn="base" hangingPunct="0">
+              <a:lnSpc>
+                <a:spcPct val="100000"/>
+              </a:lnSpc>
+              <a:spcBef>
+                <a:spcPct val="0"/>
+              </a:spcBef>
+              <a:spcAft>
+                <a:spcPct val="0"/>
+              </a:spcAft>
+              <a:buFont typeface="Arial" panose="020B0604020202020204" pitchFamily="34" charset="0"/>
+              <a:buChar char="•"/>
+              <a:tabLst/>
+            </a:pPr>
+            <a:r>
+              <a:rPr kumimoji="0" lang="en-US" altLang="en-US" sz="1200" b="0" i="0" u="none" strike="noStrike" cap="none" normalizeH="0" baseline="0" dirty="0">
+                <a:ln>
+                  <a:noFill/>
+                </a:ln>
+                <a:solidFill>
+                  <a:schemeClr val="tx1"/>
+                </a:solidFill>
+                <a:effectLst/>
+                <a:latin typeface="Arial" panose="020B0604020202020204" pitchFamily="34" charset="0"/>
+              </a:rPr>
+              <a:t>Analyze high-velocity airflow zones in vehicles</a:t>
+            </a:r>
+          </a:p>
+          <a:p>
+            <a:pPr lvl="1" defTabSz="914400" eaLnBrk="0" fontAlgn="base" hangingPunct="0">
+              <a:lnSpc>
+                <a:spcPct val="100000"/>
+              </a:lnSpc>
+              <a:spcBef>
+                <a:spcPct val="0"/>
+              </a:spcBef>
+              <a:spcAft>
+                <a:spcPct val="0"/>
+              </a:spcAft>
+              <a:buFont typeface="Arial" panose="020B0604020202020204" pitchFamily="34" charset="0"/>
+              <a:buChar char="•"/>
+              <a:tabLst/>
+            </a:pPr>
+            <a:r>
+              <a:rPr kumimoji="0" lang="en-US" altLang="en-US" sz="1200" b="0" i="0" u="none" strike="noStrike" cap="none" normalizeH="0" baseline="0" dirty="0">
+                <a:ln>
+                  <a:noFill/>
+                </a:ln>
+                <a:solidFill>
+                  <a:schemeClr val="tx1"/>
+                </a:solidFill>
+                <a:effectLst/>
+                <a:latin typeface="Arial" panose="020B0604020202020204" pitchFamily="34" charset="0"/>
+              </a:rPr>
+              <a:t>Define energy targets based on system requirements.</a:t>
+            </a:r>
+          </a:p>
+          <a:p>
+            <a:pPr marL="342900" marR="0" lvl="0" indent="-342900" algn="l" defTabSz="914400" rtl="0" eaLnBrk="0" fontAlgn="base" latinLnBrk="0" hangingPunct="0">
+              <a:lnSpc>
+                <a:spcPct val="100000"/>
+              </a:lnSpc>
+              <a:spcBef>
+                <a:spcPct val="0"/>
+              </a:spcBef>
+              <a:spcAft>
+                <a:spcPct val="0"/>
+              </a:spcAft>
+              <a:buClrTx/>
+              <a:buSzTx/>
+              <a:buFont typeface="+mj-lt"/>
+              <a:buAutoNum type="arabicPeriod"/>
+              <a:tabLst/>
+            </a:pPr>
+            <a:r>
+              <a:rPr kumimoji="0" lang="en-US" altLang="en-US" sz="1400" b="1" i="0" u="none" strike="noStrike" cap="none" normalizeH="0" baseline="0" dirty="0">
+                <a:ln>
+                  <a:noFill/>
+                </a:ln>
+                <a:solidFill>
+                  <a:schemeClr val="tx1"/>
+                </a:solidFill>
+                <a:effectLst/>
+                <a:latin typeface="Arial" panose="020B0604020202020204" pitchFamily="34" charset="0"/>
+              </a:rPr>
+              <a:t>Design &amp; Prototyping</a:t>
+            </a:r>
+            <a:r>
+              <a:rPr kumimoji="0" lang="en-US" altLang="en-US" sz="1400" b="0" i="0" u="none" strike="noStrike" cap="none" normalizeH="0" baseline="0" dirty="0">
+                <a:ln>
+                  <a:noFill/>
+                </a:ln>
+                <a:solidFill>
+                  <a:schemeClr val="tx1"/>
+                </a:solidFill>
+                <a:effectLst/>
+                <a:latin typeface="Arial" panose="020B0604020202020204" pitchFamily="34" charset="0"/>
+              </a:rPr>
+              <a:t>:</a:t>
+            </a:r>
+          </a:p>
+          <a:p>
+            <a:pPr lvl="1" defTabSz="914400" eaLnBrk="0" fontAlgn="base" hangingPunct="0">
+              <a:lnSpc>
+                <a:spcPct val="100000"/>
+              </a:lnSpc>
+              <a:spcBef>
+                <a:spcPct val="0"/>
+              </a:spcBef>
+              <a:spcAft>
+                <a:spcPct val="0"/>
+              </a:spcAft>
+              <a:buFont typeface="Arial" panose="020B0604020202020204" pitchFamily="34" charset="0"/>
+              <a:buChar char="•"/>
+              <a:tabLst/>
+            </a:pPr>
+            <a:r>
+              <a:rPr kumimoji="0" lang="en-US" altLang="en-US" sz="1200" b="0" i="0" u="none" strike="noStrike" cap="none" normalizeH="0" baseline="0" dirty="0">
+                <a:ln>
+                  <a:noFill/>
+                </a:ln>
+                <a:solidFill>
+                  <a:schemeClr val="tx1"/>
+                </a:solidFill>
+                <a:effectLst/>
+                <a:latin typeface="Arial" panose="020B0604020202020204" pitchFamily="34" charset="0"/>
+              </a:rPr>
+              <a:t>Turbine blade design (3D modeling + CFD simulation).</a:t>
+            </a:r>
+          </a:p>
+          <a:p>
+            <a:pPr lvl="1" defTabSz="914400" eaLnBrk="0" fontAlgn="base" hangingPunct="0">
+              <a:lnSpc>
+                <a:spcPct val="100000"/>
+              </a:lnSpc>
+              <a:spcBef>
+                <a:spcPct val="0"/>
+              </a:spcBef>
+              <a:spcAft>
+                <a:spcPct val="0"/>
+              </a:spcAft>
+              <a:buFont typeface="Arial" panose="020B0604020202020204" pitchFamily="34" charset="0"/>
+              <a:buChar char="•"/>
+              <a:tabLst/>
+            </a:pPr>
+            <a:r>
+              <a:rPr kumimoji="0" lang="en-US" altLang="en-US" sz="1200" b="0" i="0" u="none" strike="noStrike" cap="none" normalizeH="0" baseline="0" dirty="0">
+                <a:ln>
+                  <a:noFill/>
+                </a:ln>
+                <a:solidFill>
+                  <a:schemeClr val="tx1"/>
+                </a:solidFill>
+                <a:effectLst/>
+                <a:latin typeface="Arial" panose="020B0604020202020204" pitchFamily="34" charset="0"/>
+              </a:rPr>
+              <a:t>Identify optimal placement for minimal drag.</a:t>
+            </a:r>
+          </a:p>
+          <a:p>
+            <a:pPr lvl="1" defTabSz="914400" eaLnBrk="0" fontAlgn="base" hangingPunct="0">
+              <a:lnSpc>
+                <a:spcPct val="100000"/>
+              </a:lnSpc>
+              <a:spcBef>
+                <a:spcPct val="0"/>
+              </a:spcBef>
+              <a:spcAft>
+                <a:spcPct val="0"/>
+              </a:spcAft>
+              <a:buFont typeface="Arial" panose="020B0604020202020204" pitchFamily="34" charset="0"/>
+              <a:buChar char="•"/>
+              <a:tabLst/>
+            </a:pPr>
+            <a:r>
+              <a:rPr kumimoji="0" lang="en-US" altLang="en-US" sz="1200" b="0" i="0" u="none" strike="noStrike" cap="none" normalizeH="0" baseline="0" dirty="0">
+                <a:ln>
+                  <a:noFill/>
+                </a:ln>
+                <a:solidFill>
+                  <a:schemeClr val="tx1"/>
+                </a:solidFill>
+                <a:effectLst/>
+                <a:latin typeface="Arial" panose="020B0604020202020204" pitchFamily="34" charset="0"/>
+              </a:rPr>
+              <a:t>Build lightweight prototypes with generators.</a:t>
+            </a:r>
+          </a:p>
+          <a:p>
+            <a:pPr marL="342900" marR="0" lvl="0" indent="-342900" algn="l" defTabSz="914400" rtl="0" eaLnBrk="0" fontAlgn="base" latinLnBrk="0" hangingPunct="0">
+              <a:lnSpc>
+                <a:spcPct val="100000"/>
+              </a:lnSpc>
+              <a:spcBef>
+                <a:spcPct val="0"/>
+              </a:spcBef>
+              <a:spcAft>
+                <a:spcPct val="0"/>
+              </a:spcAft>
+              <a:buClrTx/>
+              <a:buSzTx/>
+              <a:buFont typeface="+mj-lt"/>
+              <a:buAutoNum type="arabicPeriod"/>
+              <a:tabLst/>
+            </a:pPr>
+            <a:r>
+              <a:rPr kumimoji="0" lang="en-US" altLang="en-US" sz="1400" b="1" i="0" u="none" strike="noStrike" cap="none" normalizeH="0" baseline="0" dirty="0">
+                <a:ln>
+                  <a:noFill/>
+                </a:ln>
+                <a:solidFill>
+                  <a:schemeClr val="tx1"/>
+                </a:solidFill>
+                <a:effectLst/>
+                <a:latin typeface="Arial" panose="020B0604020202020204" pitchFamily="34" charset="0"/>
+              </a:rPr>
+              <a:t>System Integration</a:t>
+            </a:r>
+            <a:r>
+              <a:rPr kumimoji="0" lang="en-US" altLang="en-US" sz="1400" b="0" i="0" u="none" strike="noStrike" cap="none" normalizeH="0" baseline="0" dirty="0">
+                <a:ln>
+                  <a:noFill/>
+                </a:ln>
+                <a:solidFill>
+                  <a:schemeClr val="tx1"/>
+                </a:solidFill>
+                <a:effectLst/>
+                <a:latin typeface="Arial" panose="020B0604020202020204" pitchFamily="34" charset="0"/>
+              </a:rPr>
+              <a:t>:</a:t>
+            </a:r>
+          </a:p>
+          <a:p>
+            <a:pPr lvl="1" defTabSz="914400" eaLnBrk="0" fontAlgn="base" hangingPunct="0">
+              <a:lnSpc>
+                <a:spcPct val="100000"/>
+              </a:lnSpc>
+              <a:spcBef>
+                <a:spcPct val="0"/>
+              </a:spcBef>
+              <a:spcAft>
+                <a:spcPct val="0"/>
+              </a:spcAft>
+              <a:buFont typeface="Arial" panose="020B0604020202020204" pitchFamily="34" charset="0"/>
+              <a:buChar char="•"/>
+              <a:tabLst/>
+            </a:pPr>
+            <a:r>
+              <a:rPr kumimoji="0" lang="en-US" altLang="en-US" sz="1200" b="0" i="0" u="none" strike="noStrike" cap="none" normalizeH="0" baseline="0" dirty="0">
+                <a:ln>
+                  <a:noFill/>
+                </a:ln>
+                <a:solidFill>
+                  <a:schemeClr val="tx1"/>
+                </a:solidFill>
+                <a:effectLst/>
+                <a:latin typeface="Arial" panose="020B0604020202020204" pitchFamily="34" charset="0"/>
+              </a:rPr>
+              <a:t>Connect turbines to mini generators for electricity conversion.</a:t>
+            </a:r>
+          </a:p>
+          <a:p>
+            <a:pPr lvl="1" defTabSz="914400" eaLnBrk="0" fontAlgn="base" hangingPunct="0">
+              <a:lnSpc>
+                <a:spcPct val="100000"/>
+              </a:lnSpc>
+              <a:spcBef>
+                <a:spcPct val="0"/>
+              </a:spcBef>
+              <a:spcAft>
+                <a:spcPct val="0"/>
+              </a:spcAft>
+              <a:buFont typeface="Arial" panose="020B0604020202020204" pitchFamily="34" charset="0"/>
+              <a:buChar char="•"/>
+              <a:tabLst/>
+            </a:pPr>
+            <a:r>
+              <a:rPr kumimoji="0" lang="en-US" altLang="en-US" sz="1200" b="0" i="0" u="none" strike="noStrike" cap="none" normalizeH="0" baseline="0" dirty="0">
+                <a:ln>
+                  <a:noFill/>
+                </a:ln>
+                <a:solidFill>
+                  <a:schemeClr val="tx1"/>
+                </a:solidFill>
+                <a:effectLst/>
+                <a:latin typeface="Arial" panose="020B0604020202020204" pitchFamily="34" charset="0"/>
+              </a:rPr>
+              <a:t>Integrate output into batteries or systems via regulators.</a:t>
+            </a:r>
+          </a:p>
+          <a:p>
+            <a:pPr lvl="1" defTabSz="914400" eaLnBrk="0" fontAlgn="base" hangingPunct="0">
+              <a:lnSpc>
+                <a:spcPct val="100000"/>
+              </a:lnSpc>
+              <a:spcBef>
+                <a:spcPct val="0"/>
+              </a:spcBef>
+              <a:spcAft>
+                <a:spcPct val="0"/>
+              </a:spcAft>
+              <a:buFont typeface="Arial" panose="020B0604020202020204" pitchFamily="34" charset="0"/>
+              <a:buChar char="•"/>
+              <a:tabLst/>
+            </a:pPr>
+            <a:r>
+              <a:rPr kumimoji="0" lang="en-US" altLang="en-US" sz="1200" b="0" i="0" u="none" strike="noStrike" cap="none" normalizeH="0" baseline="0" dirty="0">
+                <a:ln>
+                  <a:noFill/>
+                </a:ln>
+                <a:solidFill>
+                  <a:schemeClr val="tx1"/>
+                </a:solidFill>
+                <a:effectLst/>
+                <a:latin typeface="Arial" panose="020B0604020202020204" pitchFamily="34" charset="0"/>
+              </a:rPr>
+              <a:t>Add sensors for real-time performance monitoring.</a:t>
+            </a:r>
+          </a:p>
+          <a:p>
+            <a:pPr marL="342900" marR="0" lvl="0" indent="-342900" algn="l" defTabSz="914400" rtl="0" eaLnBrk="0" fontAlgn="base" latinLnBrk="0" hangingPunct="0">
+              <a:lnSpc>
+                <a:spcPct val="100000"/>
+              </a:lnSpc>
+              <a:spcBef>
+                <a:spcPct val="0"/>
+              </a:spcBef>
+              <a:spcAft>
+                <a:spcPct val="0"/>
+              </a:spcAft>
+              <a:buClrTx/>
+              <a:buSzTx/>
+              <a:buFont typeface="+mj-lt"/>
+              <a:buAutoNum type="arabicPeriod"/>
+              <a:tabLst/>
+            </a:pPr>
+            <a:r>
+              <a:rPr kumimoji="0" lang="en-US" altLang="en-US" sz="1400" b="1" i="0" u="none" strike="noStrike" cap="none" normalizeH="0" baseline="0" dirty="0">
+                <a:ln>
+                  <a:noFill/>
+                </a:ln>
+                <a:solidFill>
+                  <a:schemeClr val="tx1"/>
+                </a:solidFill>
+                <a:effectLst/>
+                <a:latin typeface="Arial" panose="020B0604020202020204" pitchFamily="34" charset="0"/>
+              </a:rPr>
+              <a:t>Testing &amp; Optimization</a:t>
+            </a:r>
+            <a:r>
+              <a:rPr kumimoji="0" lang="en-US" altLang="en-US" sz="1400" b="0" i="0" u="none" strike="noStrike" cap="none" normalizeH="0" baseline="0" dirty="0">
+                <a:ln>
+                  <a:noFill/>
+                </a:ln>
+                <a:solidFill>
+                  <a:schemeClr val="tx1"/>
+                </a:solidFill>
+                <a:effectLst/>
+                <a:latin typeface="Arial" panose="020B0604020202020204" pitchFamily="34" charset="0"/>
+              </a:rPr>
+              <a:t>:</a:t>
+            </a:r>
+          </a:p>
+          <a:p>
+            <a:pPr lvl="1" defTabSz="914400" eaLnBrk="0" fontAlgn="base" hangingPunct="0">
+              <a:lnSpc>
+                <a:spcPct val="100000"/>
+              </a:lnSpc>
+              <a:spcBef>
+                <a:spcPct val="0"/>
+              </a:spcBef>
+              <a:spcAft>
+                <a:spcPct val="0"/>
+              </a:spcAft>
+              <a:buFont typeface="Arial" panose="020B0604020202020204" pitchFamily="34" charset="0"/>
+              <a:buChar char="•"/>
+              <a:tabLst/>
+            </a:pPr>
+            <a:r>
+              <a:rPr kumimoji="0" lang="en-US" altLang="en-US" sz="1200" b="0" i="0" u="none" strike="noStrike" cap="none" normalizeH="0" baseline="0" dirty="0">
+                <a:ln>
+                  <a:noFill/>
+                </a:ln>
+                <a:solidFill>
+                  <a:schemeClr val="tx1"/>
+                </a:solidFill>
+                <a:effectLst/>
+                <a:latin typeface="Arial" panose="020B0604020202020204" pitchFamily="34" charset="0"/>
+              </a:rPr>
+              <a:t>Wind tunnel &amp; on-road testing to validate power output.</a:t>
+            </a:r>
+          </a:p>
+          <a:p>
+            <a:pPr lvl="1" defTabSz="914400" eaLnBrk="0" fontAlgn="base" hangingPunct="0">
+              <a:lnSpc>
+                <a:spcPct val="100000"/>
+              </a:lnSpc>
+              <a:spcBef>
+                <a:spcPct val="0"/>
+              </a:spcBef>
+              <a:spcAft>
+                <a:spcPct val="0"/>
+              </a:spcAft>
+              <a:buFont typeface="Arial" panose="020B0604020202020204" pitchFamily="34" charset="0"/>
+              <a:buChar char="•"/>
+              <a:tabLst/>
+            </a:pPr>
+            <a:r>
+              <a:rPr kumimoji="0" lang="en-US" altLang="en-US" sz="1200" b="0" i="0" u="none" strike="noStrike" cap="none" normalizeH="0" baseline="0" dirty="0">
+                <a:ln>
+                  <a:noFill/>
+                </a:ln>
+                <a:solidFill>
+                  <a:schemeClr val="tx1"/>
+                </a:solidFill>
+                <a:effectLst/>
+                <a:latin typeface="Arial" panose="020B0604020202020204" pitchFamily="34" charset="0"/>
+              </a:rPr>
+              <a:t>Refine blade design, placement, and efficiency.</a:t>
+            </a:r>
+          </a:p>
+          <a:p>
+            <a:pPr marL="342900" marR="0" lvl="0" indent="-342900" algn="l" defTabSz="914400" rtl="0" eaLnBrk="0" fontAlgn="base" latinLnBrk="0" hangingPunct="0">
+              <a:lnSpc>
+                <a:spcPct val="100000"/>
+              </a:lnSpc>
+              <a:spcBef>
+                <a:spcPct val="0"/>
+              </a:spcBef>
+              <a:spcAft>
+                <a:spcPct val="0"/>
+              </a:spcAft>
+              <a:buClrTx/>
+              <a:buSzTx/>
+              <a:buFont typeface="+mj-lt"/>
+              <a:buAutoNum type="arabicPeriod"/>
+              <a:tabLst/>
+            </a:pPr>
+            <a:r>
+              <a:rPr kumimoji="0" lang="en-US" altLang="en-US" sz="1400" b="1" i="0" u="none" strike="noStrike" cap="none" normalizeH="0" baseline="0" dirty="0">
+                <a:ln>
+                  <a:noFill/>
+                </a:ln>
+                <a:solidFill>
+                  <a:schemeClr val="tx1"/>
+                </a:solidFill>
+                <a:effectLst/>
+                <a:latin typeface="Arial" panose="020B0604020202020204" pitchFamily="34" charset="0"/>
+              </a:rPr>
+              <a:t>Scaling &amp; Deployment</a:t>
+            </a:r>
+            <a:r>
+              <a:rPr kumimoji="0" lang="en-US" altLang="en-US" sz="1400" b="0" i="0" u="none" strike="noStrike" cap="none" normalizeH="0" baseline="0" dirty="0">
+                <a:ln>
+                  <a:noFill/>
+                </a:ln>
+                <a:solidFill>
+                  <a:schemeClr val="tx1"/>
+                </a:solidFill>
+                <a:effectLst/>
+                <a:latin typeface="Arial" panose="020B0604020202020204" pitchFamily="34" charset="0"/>
+              </a:rPr>
+              <a:t>:</a:t>
+            </a:r>
+          </a:p>
+          <a:p>
+            <a:pPr lvl="1" defTabSz="914400" eaLnBrk="0" fontAlgn="base" hangingPunct="0">
+              <a:lnSpc>
+                <a:spcPct val="100000"/>
+              </a:lnSpc>
+              <a:spcBef>
+                <a:spcPct val="0"/>
+              </a:spcBef>
+              <a:spcAft>
+                <a:spcPct val="0"/>
+              </a:spcAft>
+              <a:buFont typeface="Arial" panose="020B0604020202020204" pitchFamily="34" charset="0"/>
+              <a:buChar char="•"/>
+              <a:tabLst/>
+            </a:pPr>
+            <a:r>
+              <a:rPr kumimoji="0" lang="en-US" altLang="en-US" sz="1200" b="0" i="0" u="none" strike="noStrike" cap="none" normalizeH="0" baseline="0" dirty="0">
+                <a:ln>
+                  <a:noFill/>
+                </a:ln>
+                <a:solidFill>
+                  <a:schemeClr val="tx1"/>
+                </a:solidFill>
+                <a:effectLst/>
+                <a:latin typeface="Arial" panose="020B0604020202020204" pitchFamily="34" charset="0"/>
+              </a:rPr>
+              <a:t>Modular components for scooters, cars, and buses.</a:t>
+            </a:r>
+          </a:p>
+          <a:p>
+            <a:pPr lvl="1" defTabSz="914400" eaLnBrk="0" fontAlgn="base" hangingPunct="0">
+              <a:lnSpc>
+                <a:spcPct val="100000"/>
+              </a:lnSpc>
+              <a:spcBef>
+                <a:spcPct val="0"/>
+              </a:spcBef>
+              <a:spcAft>
+                <a:spcPct val="0"/>
+              </a:spcAft>
+              <a:buFont typeface="Arial" panose="020B0604020202020204" pitchFamily="34" charset="0"/>
+              <a:buChar char="•"/>
+              <a:tabLst/>
+            </a:pPr>
+            <a:r>
+              <a:rPr kumimoji="0" lang="en-US" altLang="en-US" sz="1200" b="0" i="0" u="none" strike="noStrike" cap="none" normalizeH="0" baseline="0" dirty="0">
+                <a:ln>
+                  <a:noFill/>
+                </a:ln>
+                <a:solidFill>
+                  <a:schemeClr val="tx1"/>
+                </a:solidFill>
+                <a:effectLst/>
+                <a:latin typeface="Arial" panose="020B0604020202020204" pitchFamily="34" charset="0"/>
+              </a:rPr>
+              <a:t>Pilot trials for real-world validation.</a:t>
+            </a:r>
+          </a:p>
+          <a:p>
+            <a:pPr lvl="1" defTabSz="914400" eaLnBrk="0" fontAlgn="base" hangingPunct="0">
+              <a:lnSpc>
+                <a:spcPct val="100000"/>
+              </a:lnSpc>
+              <a:spcBef>
+                <a:spcPct val="0"/>
+              </a:spcBef>
+              <a:spcAft>
+                <a:spcPct val="0"/>
+              </a:spcAft>
+              <a:buFont typeface="Arial" panose="020B0604020202020204" pitchFamily="34" charset="0"/>
+              <a:buChar char="•"/>
+              <a:tabLst/>
+            </a:pPr>
+            <a:r>
+              <a:rPr kumimoji="0" lang="en-US" altLang="en-US" sz="1200" b="0" i="0" u="none" strike="noStrike" cap="none" normalizeH="0" baseline="0" dirty="0">
+                <a:ln>
+                  <a:noFill/>
+                </a:ln>
+                <a:solidFill>
+                  <a:schemeClr val="tx1"/>
+                </a:solidFill>
+                <a:effectLst/>
+                <a:latin typeface="Arial" panose="020B0604020202020204" pitchFamily="34" charset="0"/>
+              </a:rPr>
+              <a:t>Market as a sustainability-focused product.</a:t>
+            </a:r>
+          </a:p>
+          <a:p>
+            <a:pPr marL="342900" marR="0" lvl="0" indent="-342900" algn="l" defTabSz="914400" rtl="0" eaLnBrk="0" fontAlgn="base" latinLnBrk="0" hangingPunct="0">
+              <a:lnSpc>
+                <a:spcPct val="100000"/>
+              </a:lnSpc>
+              <a:spcBef>
+                <a:spcPct val="0"/>
+              </a:spcBef>
+              <a:spcAft>
+                <a:spcPct val="0"/>
+              </a:spcAft>
+              <a:buClrTx/>
+              <a:buSzTx/>
+              <a:buFont typeface="+mj-lt"/>
+              <a:buAutoNum type="arabicPeriod"/>
+              <a:tabLst/>
+            </a:pPr>
+            <a:endParaRPr kumimoji="0" lang="en-US" altLang="en-US" sz="1400" b="0" i="0" u="none" strike="noStrike" cap="none" normalizeH="0" baseline="0" dirty="0">
+              <a:ln>
+                <a:noFill/>
+              </a:ln>
+              <a:solidFill>
+                <a:schemeClr val="tx1"/>
+              </a:solidFill>
+              <a:effectLst/>
+              <a:latin typeface="Arial" panose="020B0604020202020204" pitchFamily="34" charset="0"/>
+            </a:endParaRPr>
           </a:p>
         </p:txBody>
       </p:sp>
+      <p:pic>
+        <p:nvPicPr>
+          <p:cNvPr id="6" name="Picture 5" descr="A diagram of energy conversion&#10;&#10;Description automatically generated">
+            <a:extLst>
+              <a:ext uri="{FF2B5EF4-FFF2-40B4-BE49-F238E27FC236}">
+                <a16:creationId xmlns:a16="http://schemas.microsoft.com/office/drawing/2014/main" id="{54F3C046-07AD-788E-4A6A-EBA87660690A}"/>
+              </a:ext>
+            </a:extLst>
+          </p:cNvPr>
+          <p:cNvPicPr>
+            <a:picLocks noChangeAspect="1"/>
+          </p:cNvPicPr>
+          <p:nvPr/>
+        </p:nvPicPr>
+        <p:blipFill>
+          <a:blip r:embed="rId2" cstate="print">
+            <a:extLst>
+              <a:ext uri="{28A0092B-C50C-407E-A947-70E740481C1C}">
+                <a14:useLocalDpi xmlns:a14="http://schemas.microsoft.com/office/drawing/2010/main" val="0"/>
+              </a:ext>
+            </a:extLst>
+          </a:blip>
+          <a:stretch>
+            <a:fillRect/>
+          </a:stretch>
+        </p:blipFill>
+        <p:spPr>
+          <a:xfrm>
+            <a:off x="5061857" y="689453"/>
+            <a:ext cx="4082143" cy="3597198"/>
+          </a:xfrm>
+          <a:prstGeom prst="rect">
+            <a:avLst/>
+          </a:prstGeom>
+        </p:spPr>
+      </p:pic>
     </p:spTree>
     <p:extLst>
       <p:ext uri="{BB962C8B-B14F-4D97-AF65-F5344CB8AC3E}">
@@ -29576,7 +32324,7 @@
           <a:bodyPr/>
           <a:lstStyle/>
           <a:p>
-            <a:endParaRPr lang="en-IN"/>
+            <a:endParaRPr lang="en-IN" dirty="0"/>
           </a:p>
         </p:txBody>
       </p:sp>
